--- a/Presentation/Boosting_update.pptx
+++ b/Presentation/Boosting_update.pptx
@@ -135,7 +135,7 @@
   </p:defaultTextStyle>
   <p:extLst>
     <p:ext uri="{EFAFB233-063F-42B5-8137-9DF3F51BA10A}">
-      <p15:sldGuideLst xmlns="" xmlns:p15="http://schemas.microsoft.com/office/powerpoint/2012/main">
+      <p15:sldGuideLst xmlns:p15="http://schemas.microsoft.com/office/powerpoint/2012/main">
         <p15:guide id="1" orient="horz" pos="3868">
           <p15:clr>
             <a:srgbClr val="A4A3A4"/>
@@ -280,7 +280,7 @@
             <a:fld id="{F8252C7F-5FEC-2E4D-80AA-BF666F276660}" type="datetime1">
               <a:rPr lang="en-US" smtClean="0"/>
               <a:pPr/>
-              <a:t>6/25/2015</a:t>
+              <a:t>7/2/2015</a:t>
             </a:fld>
             <a:endParaRPr lang="en-US"/>
           </a:p>
@@ -356,7 +356,7 @@
     </p:spTree>
     <p:extLst>
       <p:ext uri="{BB962C8B-B14F-4D97-AF65-F5344CB8AC3E}">
-        <p14:creationId xmlns="" xmlns:p14="http://schemas.microsoft.com/office/powerpoint/2010/main" val="1411092301"/>
+        <p14:creationId xmlns:p14="http://schemas.microsoft.com/office/powerpoint/2010/main" val="1411092301"/>
       </p:ext>
     </p:extLst>
   </p:cSld>
@@ -448,7 +448,7 @@
             <a:fld id="{1939DE02-E791-1340-B4FF-3939EE33ADCD}" type="datetime1">
               <a:rPr lang="en-US" smtClean="0"/>
               <a:pPr/>
-              <a:t>6/25/2015</a:t>
+              <a:t>7/2/2015</a:t>
             </a:fld>
             <a:endParaRPr lang="en-US"/>
           </a:p>
@@ -617,7 +617,7 @@
     </p:spTree>
     <p:extLst>
       <p:ext uri="{BB962C8B-B14F-4D97-AF65-F5344CB8AC3E}">
-        <p14:creationId xmlns="" xmlns:p14="http://schemas.microsoft.com/office/powerpoint/2010/main" val="160240899"/>
+        <p14:creationId xmlns:p14="http://schemas.microsoft.com/office/powerpoint/2010/main" val="160240899"/>
       </p:ext>
     </p:extLst>
   </p:cSld>
@@ -793,7 +793,7 @@
     </p:spTree>
     <p:extLst>
       <p:ext uri="{BB962C8B-B14F-4D97-AF65-F5344CB8AC3E}">
-        <p14:creationId xmlns="" xmlns:p14="http://schemas.microsoft.com/office/powerpoint/2010/main" val="3773960202"/>
+        <p14:creationId xmlns:p14="http://schemas.microsoft.com/office/powerpoint/2010/main" val="3773960202"/>
       </p:ext>
     </p:extLst>
   </p:cSld>
@@ -878,7 +878,7 @@
     </p:spTree>
     <p:extLst>
       <p:ext uri="{BB962C8B-B14F-4D97-AF65-F5344CB8AC3E}">
-        <p14:creationId xmlns="" xmlns:p14="http://schemas.microsoft.com/office/powerpoint/2010/main" val="3594096594"/>
+        <p14:creationId xmlns:p14="http://schemas.microsoft.com/office/powerpoint/2010/main" val="3594096594"/>
       </p:ext>
     </p:extLst>
   </p:cSld>
@@ -963,7 +963,7 @@
     </p:spTree>
     <p:extLst>
       <p:ext uri="{BB962C8B-B14F-4D97-AF65-F5344CB8AC3E}">
-        <p14:creationId xmlns="" xmlns:p14="http://schemas.microsoft.com/office/powerpoint/2010/main" val="2967594684"/>
+        <p14:creationId xmlns:p14="http://schemas.microsoft.com/office/powerpoint/2010/main" val="2967594684"/>
       </p:ext>
     </p:extLst>
   </p:cSld>
@@ -1048,7 +1048,7 @@
     </p:spTree>
     <p:extLst>
       <p:ext uri="{BB962C8B-B14F-4D97-AF65-F5344CB8AC3E}">
-        <p14:creationId xmlns="" xmlns:p14="http://schemas.microsoft.com/office/powerpoint/2010/main" val="1151715850"/>
+        <p14:creationId xmlns:p14="http://schemas.microsoft.com/office/powerpoint/2010/main" val="1151715850"/>
       </p:ext>
     </p:extLst>
   </p:cSld>
@@ -1133,7 +1133,7 @@
     </p:spTree>
     <p:extLst>
       <p:ext uri="{BB962C8B-B14F-4D97-AF65-F5344CB8AC3E}">
-        <p14:creationId xmlns="" xmlns:p14="http://schemas.microsoft.com/office/powerpoint/2010/main" val="480246252"/>
+        <p14:creationId xmlns:p14="http://schemas.microsoft.com/office/powerpoint/2010/main" val="480246252"/>
       </p:ext>
     </p:extLst>
   </p:cSld>
@@ -1218,7 +1218,7 @@
     </p:spTree>
     <p:extLst>
       <p:ext uri="{BB962C8B-B14F-4D97-AF65-F5344CB8AC3E}">
-        <p14:creationId xmlns="" xmlns:p14="http://schemas.microsoft.com/office/powerpoint/2010/main" val="815287753"/>
+        <p14:creationId xmlns:p14="http://schemas.microsoft.com/office/powerpoint/2010/main" val="815287753"/>
       </p:ext>
     </p:extLst>
   </p:cSld>
@@ -1303,7 +1303,7 @@
     </p:spTree>
     <p:extLst>
       <p:ext uri="{BB962C8B-B14F-4D97-AF65-F5344CB8AC3E}">
-        <p14:creationId xmlns="" xmlns:p14="http://schemas.microsoft.com/office/powerpoint/2010/main" val="3862976365"/>
+        <p14:creationId xmlns:p14="http://schemas.microsoft.com/office/powerpoint/2010/main" val="3862976365"/>
       </p:ext>
     </p:extLst>
   </p:cSld>
@@ -1388,7 +1388,7 @@
     </p:spTree>
     <p:extLst>
       <p:ext uri="{BB962C8B-B14F-4D97-AF65-F5344CB8AC3E}">
-        <p14:creationId xmlns="" xmlns:p14="http://schemas.microsoft.com/office/powerpoint/2010/main" val="109162968"/>
+        <p14:creationId xmlns:p14="http://schemas.microsoft.com/office/powerpoint/2010/main" val="109162968"/>
       </p:ext>
     </p:extLst>
   </p:cSld>
@@ -1473,6 +1473,11 @@
         </p:txBody>
       </p:sp>
     </p:spTree>
+    <p:extLst>
+      <p:ext uri="{BB962C8B-B14F-4D97-AF65-F5344CB8AC3E}">
+        <p14:creationId xmlns:p14="http://schemas.microsoft.com/office/powerpoint/2010/main" val="3525796602"/>
+      </p:ext>
+    </p:extLst>
   </p:cSld>
   <p:clrMapOvr>
     <a:masterClrMapping/>
@@ -1555,7 +1560,7 @@
     </p:spTree>
     <p:extLst>
       <p:ext uri="{BB962C8B-B14F-4D97-AF65-F5344CB8AC3E}">
-        <p14:creationId xmlns="" xmlns:p14="http://schemas.microsoft.com/office/powerpoint/2010/main" val="2400959933"/>
+        <p14:creationId xmlns:p14="http://schemas.microsoft.com/office/powerpoint/2010/main" val="2400959933"/>
       </p:ext>
     </p:extLst>
   </p:cSld>
@@ -1640,7 +1645,7 @@
     </p:spTree>
     <p:extLst>
       <p:ext uri="{BB962C8B-B14F-4D97-AF65-F5344CB8AC3E}">
-        <p14:creationId xmlns="" xmlns:p14="http://schemas.microsoft.com/office/powerpoint/2010/main" val="3113946682"/>
+        <p14:creationId xmlns:p14="http://schemas.microsoft.com/office/powerpoint/2010/main" val="3113946682"/>
       </p:ext>
     </p:extLst>
   </p:cSld>
@@ -1725,7 +1730,7 @@
     </p:spTree>
     <p:extLst>
       <p:ext uri="{BB962C8B-B14F-4D97-AF65-F5344CB8AC3E}">
-        <p14:creationId xmlns="" xmlns:p14="http://schemas.microsoft.com/office/powerpoint/2010/main" val="901386044"/>
+        <p14:creationId xmlns:p14="http://schemas.microsoft.com/office/powerpoint/2010/main" val="901386044"/>
       </p:ext>
     </p:extLst>
   </p:cSld>
@@ -1810,7 +1815,7 @@
     </p:spTree>
     <p:extLst>
       <p:ext uri="{BB962C8B-B14F-4D97-AF65-F5344CB8AC3E}">
-        <p14:creationId xmlns="" xmlns:p14="http://schemas.microsoft.com/office/powerpoint/2010/main" val="2057974675"/>
+        <p14:creationId xmlns:p14="http://schemas.microsoft.com/office/powerpoint/2010/main" val="2057974675"/>
       </p:ext>
     </p:extLst>
   </p:cSld>
@@ -1895,7 +1900,7 @@
     </p:spTree>
     <p:extLst>
       <p:ext uri="{BB962C8B-B14F-4D97-AF65-F5344CB8AC3E}">
-        <p14:creationId xmlns="" xmlns:p14="http://schemas.microsoft.com/office/powerpoint/2010/main" val="1368233194"/>
+        <p14:creationId xmlns:p14="http://schemas.microsoft.com/office/powerpoint/2010/main" val="1368233194"/>
       </p:ext>
     </p:extLst>
   </p:cSld>
@@ -1980,7 +1985,7 @@
     </p:spTree>
     <p:extLst>
       <p:ext uri="{BB962C8B-B14F-4D97-AF65-F5344CB8AC3E}">
-        <p14:creationId xmlns="" xmlns:p14="http://schemas.microsoft.com/office/powerpoint/2010/main" val="2168797509"/>
+        <p14:creationId xmlns:p14="http://schemas.microsoft.com/office/powerpoint/2010/main" val="2168797509"/>
       </p:ext>
     </p:extLst>
   </p:cSld>
@@ -2065,7 +2070,7 @@
     </p:spTree>
     <p:extLst>
       <p:ext uri="{BB962C8B-B14F-4D97-AF65-F5344CB8AC3E}">
-        <p14:creationId xmlns="" xmlns:p14="http://schemas.microsoft.com/office/powerpoint/2010/main" val="901386044"/>
+        <p14:creationId xmlns:p14="http://schemas.microsoft.com/office/powerpoint/2010/main" val="901386044"/>
       </p:ext>
     </p:extLst>
   </p:cSld>
@@ -2150,7 +2155,7 @@
     </p:spTree>
     <p:extLst>
       <p:ext uri="{BB962C8B-B14F-4D97-AF65-F5344CB8AC3E}">
-        <p14:creationId xmlns="" xmlns:p14="http://schemas.microsoft.com/office/powerpoint/2010/main" val="477824888"/>
+        <p14:creationId xmlns:p14="http://schemas.microsoft.com/office/powerpoint/2010/main" val="477824888"/>
       </p:ext>
     </p:extLst>
   </p:cSld>
@@ -2189,7 +2194,7 @@
           <a:blip r:embed="rId2">
             <a:extLst>
               <a:ext uri="{28A0092B-C50C-407E-A947-70E740481C1C}">
-                <a14:useLocalDpi xmlns="" xmlns:a14="http://schemas.microsoft.com/office/drawing/2010/main" val="0"/>
+                <a14:useLocalDpi xmlns:a14="http://schemas.microsoft.com/office/drawing/2010/main" val="0"/>
               </a:ext>
             </a:extLst>
           </a:blip>
@@ -2210,7 +2215,7 @@
     </p:spTree>
     <p:extLst>
       <p:ext uri="{BB962C8B-B14F-4D97-AF65-F5344CB8AC3E}">
-        <p14:creationId xmlns="" xmlns:p14="http://schemas.microsoft.com/office/powerpoint/2010/main" val="921680772"/>
+        <p14:creationId xmlns:p14="http://schemas.microsoft.com/office/powerpoint/2010/main" val="921680772"/>
       </p:ext>
     </p:extLst>
   </p:cSld>
@@ -2240,7 +2245,7 @@
     </p:spTree>
     <p:extLst>
       <p:ext uri="{BB962C8B-B14F-4D97-AF65-F5344CB8AC3E}">
-        <p14:creationId xmlns="" xmlns:p14="http://schemas.microsoft.com/office/powerpoint/2010/main" val="1551424100"/>
+        <p14:creationId xmlns:p14="http://schemas.microsoft.com/office/powerpoint/2010/main" val="1551424100"/>
       </p:ext>
     </p:extLst>
   </p:cSld>
@@ -2370,7 +2375,7 @@
     </p:spTree>
     <p:extLst>
       <p:ext uri="{BB962C8B-B14F-4D97-AF65-F5344CB8AC3E}">
-        <p14:creationId xmlns="" xmlns:p14="http://schemas.microsoft.com/office/powerpoint/2010/main" val="2725598606"/>
+        <p14:creationId xmlns:p14="http://schemas.microsoft.com/office/powerpoint/2010/main" val="2725598606"/>
       </p:ext>
     </p:extLst>
   </p:cSld>
@@ -2520,7 +2525,7 @@
     </p:spTree>
     <p:extLst>
       <p:ext uri="{BB962C8B-B14F-4D97-AF65-F5344CB8AC3E}">
-        <p14:creationId xmlns="" xmlns:p14="http://schemas.microsoft.com/office/powerpoint/2010/main" val="3479517975"/>
+        <p14:creationId xmlns:p14="http://schemas.microsoft.com/office/powerpoint/2010/main" val="3479517975"/>
       </p:ext>
     </p:extLst>
   </p:cSld>
@@ -2670,7 +2675,7 @@
     </p:spTree>
     <p:extLst>
       <p:ext uri="{BB962C8B-B14F-4D97-AF65-F5344CB8AC3E}">
-        <p14:creationId xmlns="" xmlns:p14="http://schemas.microsoft.com/office/powerpoint/2010/main" val="3246921271"/>
+        <p14:creationId xmlns:p14="http://schemas.microsoft.com/office/powerpoint/2010/main" val="3246921271"/>
       </p:ext>
     </p:extLst>
   </p:cSld>
@@ -2828,7 +2833,7 @@
     </p:spTree>
     <p:extLst>
       <p:ext uri="{BB962C8B-B14F-4D97-AF65-F5344CB8AC3E}">
-        <p14:creationId xmlns="" xmlns:p14="http://schemas.microsoft.com/office/powerpoint/2010/main" val="3015080783"/>
+        <p14:creationId xmlns:p14="http://schemas.microsoft.com/office/powerpoint/2010/main" val="3015080783"/>
       </p:ext>
     </p:extLst>
   </p:cSld>
@@ -2945,7 +2950,7 @@
     </p:spTree>
     <p:extLst>
       <p:ext uri="{BB962C8B-B14F-4D97-AF65-F5344CB8AC3E}">
-        <p14:creationId xmlns="" xmlns:p14="http://schemas.microsoft.com/office/powerpoint/2010/main" val="2098243185"/>
+        <p14:creationId xmlns:p14="http://schemas.microsoft.com/office/powerpoint/2010/main" val="2098243185"/>
       </p:ext>
     </p:extLst>
   </p:cSld>
@@ -3011,7 +3016,7 @@
     </p:spTree>
     <p:extLst>
       <p:ext uri="{BB962C8B-B14F-4D97-AF65-F5344CB8AC3E}">
-        <p14:creationId xmlns="" xmlns:p14="http://schemas.microsoft.com/office/powerpoint/2010/main" val="4200364697"/>
+        <p14:creationId xmlns:p14="http://schemas.microsoft.com/office/powerpoint/2010/main" val="4200364697"/>
       </p:ext>
     </p:extLst>
   </p:cSld>
@@ -3077,7 +3082,7 @@
     </p:spTree>
     <p:extLst>
       <p:ext uri="{BB962C8B-B14F-4D97-AF65-F5344CB8AC3E}">
-        <p14:creationId xmlns="" xmlns:p14="http://schemas.microsoft.com/office/powerpoint/2010/main" val="930438236"/>
+        <p14:creationId xmlns:p14="http://schemas.microsoft.com/office/powerpoint/2010/main" val="930438236"/>
       </p:ext>
     </p:extLst>
   </p:cSld>
@@ -3143,7 +3148,7 @@
     </p:spTree>
     <p:extLst>
       <p:ext uri="{BB962C8B-B14F-4D97-AF65-F5344CB8AC3E}">
-        <p14:creationId xmlns="" xmlns:p14="http://schemas.microsoft.com/office/powerpoint/2010/main" val="726771096"/>
+        <p14:creationId xmlns:p14="http://schemas.microsoft.com/office/powerpoint/2010/main" val="726771096"/>
       </p:ext>
     </p:extLst>
   </p:cSld>
@@ -3204,7 +3209,7 @@
             <a:blip r:embed="rId12">
               <a:extLst>
                 <a:ext uri="{28A0092B-C50C-407E-A947-70E740481C1C}">
-                  <a14:useLocalDpi xmlns="" xmlns:a14="http://schemas.microsoft.com/office/drawing/2010/main" val="0"/>
+                  <a14:useLocalDpi xmlns:a14="http://schemas.microsoft.com/office/drawing/2010/main" val="0"/>
                 </a:ext>
               </a:extLst>
             </a:blip>
@@ -3234,7 +3239,7 @@
             <a:blip r:embed="rId13">
               <a:extLst>
                 <a:ext uri="{28A0092B-C50C-407E-A947-70E740481C1C}">
-                  <a14:useLocalDpi xmlns="" xmlns:a14="http://schemas.microsoft.com/office/drawing/2010/main" val="0"/>
+                  <a14:useLocalDpi xmlns:a14="http://schemas.microsoft.com/office/drawing/2010/main" val="0"/>
                 </a:ext>
               </a:extLst>
             </a:blip>
@@ -3358,7 +3363,7 @@
     </p:spTree>
     <p:extLst>
       <p:ext uri="{BB962C8B-B14F-4D97-AF65-F5344CB8AC3E}">
-        <p14:creationId xmlns="" xmlns:p14="http://schemas.microsoft.com/office/powerpoint/2010/main" val="950083170"/>
+        <p14:creationId xmlns:p14="http://schemas.microsoft.com/office/powerpoint/2010/main" val="950083170"/>
       </p:ext>
     </p:extLst>
   </p:cSld>
@@ -3756,7 +3761,7 @@
     </p:spTree>
     <p:extLst>
       <p:ext uri="{BB962C8B-B14F-4D97-AF65-F5344CB8AC3E}">
-        <p14:creationId xmlns="" xmlns:p14="http://schemas.microsoft.com/office/powerpoint/2010/main" val="3730043343"/>
+        <p14:creationId xmlns:p14="http://schemas.microsoft.com/office/powerpoint/2010/main" val="3730043343"/>
       </p:ext>
     </p:extLst>
   </p:cSld>
@@ -3905,7 +3910,7 @@
           <a:blip r:embed="rId3">
             <a:extLst>
               <a:ext uri="{28A0092B-C50C-407E-A947-70E740481C1C}">
-                <a14:useLocalDpi xmlns="" xmlns:a14="http://schemas.microsoft.com/office/drawing/2010/main" val="0"/>
+                <a14:useLocalDpi xmlns:a14="http://schemas.microsoft.com/office/drawing/2010/main" val="0"/>
               </a:ext>
             </a:extLst>
           </a:blip>
@@ -4033,7 +4038,7 @@
     </p:spTree>
     <p:extLst>
       <p:ext uri="{BB962C8B-B14F-4D97-AF65-F5344CB8AC3E}">
-        <p14:creationId xmlns="" xmlns:p14="http://schemas.microsoft.com/office/powerpoint/2010/main" val="3040030372"/>
+        <p14:creationId xmlns:p14="http://schemas.microsoft.com/office/powerpoint/2010/main" val="3040030372"/>
       </p:ext>
     </p:extLst>
   </p:cSld>
@@ -4100,7 +4105,7 @@
     </p:spTree>
     <p:extLst>
       <p:ext uri="{BB962C8B-B14F-4D97-AF65-F5344CB8AC3E}">
-        <p14:creationId xmlns="" xmlns:p14="http://schemas.microsoft.com/office/powerpoint/2010/main" val="3792208418"/>
+        <p14:creationId xmlns:p14="http://schemas.microsoft.com/office/powerpoint/2010/main" val="3792208418"/>
       </p:ext>
     </p:extLst>
   </p:cSld>
@@ -4470,9 +4475,59 @@
         </p:xfrm>
         <a:graphic>
           <a:graphicData uri="http://schemas.openxmlformats.org/presentationml/2006/ole">
-            <p:oleObj spid="_x0000_s2235" name="方程式" r:id="rId4" imgW="342751" imgH="203112" progId="Equation.3">
-              <p:embed/>
-            </p:oleObj>
+            <mc:AlternateContent xmlns:mc="http://schemas.openxmlformats.org/markup-compatibility/2006">
+              <mc:Choice xmlns:v="urn:schemas-microsoft-com:vml" Requires="v">
+                <p:oleObj spid="_x0000_s2241" name="方程式" r:id="rId4" imgW="342751" imgH="203112" progId="Equation.3">
+                  <p:embed/>
+                </p:oleObj>
+              </mc:Choice>
+              <mc:Fallback>
+                <p:oleObj name="方程式" r:id="rId4" imgW="342751" imgH="203112" progId="Equation.3">
+                  <p:embed/>
+                  <p:pic>
+                    <p:nvPicPr>
+                      <p:cNvPr id="0" name="Picture 187"/>
+                      <p:cNvPicPr>
+                        <a:picLocks noChangeAspect="1" noChangeArrowheads="1"/>
+                      </p:cNvPicPr>
+                      <p:nvPr/>
+                    </p:nvPicPr>
+                    <p:blipFill>
+                      <a:blip r:embed="rId5">
+                        <a:extLst>
+                          <a:ext uri="{28A0092B-C50C-407E-A947-70E740481C1C}">
+                            <a14:useLocalDpi xmlns:a14="http://schemas.microsoft.com/office/drawing/2010/main" val="0"/>
+                          </a:ext>
+                        </a:extLst>
+                      </a:blip>
+                      <a:srcRect/>
+                      <a:stretch>
+                        <a:fillRect/>
+                      </a:stretch>
+                    </p:blipFill>
+                    <p:spPr bwMode="auto">
+                      <a:xfrm>
+                        <a:off x="1657343" y="3826873"/>
+                        <a:ext cx="814388" cy="482600"/>
+                      </a:xfrm>
+                      <a:prstGeom prst="rect">
+                        <a:avLst/>
+                      </a:prstGeom>
+                      <a:noFill/>
+                      <a:extLst>
+                        <a:ext uri="{909E8E84-426E-40DD-AFC4-6F175D3DCCD1}">
+                          <a14:hiddenFill xmlns:a14="http://schemas.microsoft.com/office/drawing/2010/main">
+                            <a:solidFill>
+                              <a:srgbClr val="FFFFFF"/>
+                            </a:solidFill>
+                          </a14:hiddenFill>
+                        </a:ext>
+                      </a:extLst>
+                    </p:spPr>
+                  </p:pic>
+                </p:oleObj>
+              </mc:Fallback>
+            </mc:AlternateContent>
           </a:graphicData>
         </a:graphic>
       </p:graphicFrame>
@@ -4485,7 +4540,7 @@
           <p:nvPr>
             <p:extLst>
               <p:ext uri="{D42A27DB-BD31-4B8C-83A1-F6EECF244321}">
-                <p14:modId xmlns="" xmlns:p14="http://schemas.microsoft.com/office/powerpoint/2010/main" val="3135229844"/>
+                <p14:modId xmlns:p14="http://schemas.microsoft.com/office/powerpoint/2010/main" val="3135229844"/>
               </p:ext>
             </p:extLst>
           </p:nvPr>
@@ -4496,9 +4551,59 @@
         </p:xfrm>
         <a:graphic>
           <a:graphicData uri="http://schemas.openxmlformats.org/presentationml/2006/ole">
-            <p:oleObj spid="_x0000_s2236" name="方程式" r:id="rId5" imgW="1803400" imgH="228600" progId="Equation.3">
-              <p:embed/>
-            </p:oleObj>
+            <mc:AlternateContent xmlns:mc="http://schemas.openxmlformats.org/markup-compatibility/2006">
+              <mc:Choice xmlns:v="urn:schemas-microsoft-com:vml" Requires="v">
+                <p:oleObj spid="_x0000_s2242" name="方程式" r:id="rId6" imgW="1803400" imgH="228600" progId="Equation.3">
+                  <p:embed/>
+                </p:oleObj>
+              </mc:Choice>
+              <mc:Fallback>
+                <p:oleObj name="方程式" r:id="rId6" imgW="1803400" imgH="228600" progId="Equation.3">
+                  <p:embed/>
+                  <p:pic>
+                    <p:nvPicPr>
+                      <p:cNvPr id="0" name="Picture 188"/>
+                      <p:cNvPicPr>
+                        <a:picLocks noChangeAspect="1" noChangeArrowheads="1"/>
+                      </p:cNvPicPr>
+                      <p:nvPr/>
+                    </p:nvPicPr>
+                    <p:blipFill>
+                      <a:blip r:embed="rId7">
+                        <a:extLst>
+                          <a:ext uri="{28A0092B-C50C-407E-A947-70E740481C1C}">
+                            <a14:useLocalDpi xmlns:a14="http://schemas.microsoft.com/office/drawing/2010/main" val="0"/>
+                          </a:ext>
+                        </a:extLst>
+                      </a:blip>
+                      <a:srcRect/>
+                      <a:stretch>
+                        <a:fillRect/>
+                      </a:stretch>
+                    </p:blipFill>
+                    <p:spPr bwMode="auto">
+                      <a:xfrm>
+                        <a:off x="5227108" y="3770678"/>
+                        <a:ext cx="3600450" cy="584200"/>
+                      </a:xfrm>
+                      <a:prstGeom prst="rect">
+                        <a:avLst/>
+                      </a:prstGeom>
+                      <a:noFill/>
+                      <a:extLst>
+                        <a:ext uri="{909E8E84-426E-40DD-AFC4-6F175D3DCCD1}">
+                          <a14:hiddenFill xmlns:a14="http://schemas.microsoft.com/office/drawing/2010/main">
+                            <a:solidFill>
+                              <a:srgbClr val="FFFFFF"/>
+                            </a:solidFill>
+                          </a14:hiddenFill>
+                        </a:ext>
+                      </a:extLst>
+                    </p:spPr>
+                  </p:pic>
+                </p:oleObj>
+              </mc:Fallback>
+            </mc:AlternateContent>
           </a:graphicData>
         </a:graphic>
       </p:graphicFrame>
@@ -4516,9 +4621,59 @@
         </p:xfrm>
         <a:graphic>
           <a:graphicData uri="http://schemas.openxmlformats.org/presentationml/2006/ole">
-            <p:oleObj spid="_x0000_s2237" name="方程式" r:id="rId6" imgW="126725" imgH="126725" progId="Equation.3">
-              <p:embed/>
-            </p:oleObj>
+            <mc:AlternateContent xmlns:mc="http://schemas.openxmlformats.org/markup-compatibility/2006">
+              <mc:Choice xmlns:v="urn:schemas-microsoft-com:vml" Requires="v">
+                <p:oleObj spid="_x0000_s2243" name="方程式" r:id="rId8" imgW="126725" imgH="126725" progId="Equation.3">
+                  <p:embed/>
+                </p:oleObj>
+              </mc:Choice>
+              <mc:Fallback>
+                <p:oleObj name="方程式" r:id="rId8" imgW="126725" imgH="126725" progId="Equation.3">
+                  <p:embed/>
+                  <p:pic>
+                    <p:nvPicPr>
+                      <p:cNvPr id="0" name="Picture 189"/>
+                      <p:cNvPicPr>
+                        <a:picLocks noChangeAspect="1" noChangeArrowheads="1"/>
+                      </p:cNvPicPr>
+                      <p:nvPr/>
+                    </p:nvPicPr>
+                    <p:blipFill>
+                      <a:blip r:embed="rId9">
+                        <a:extLst>
+                          <a:ext uri="{28A0092B-C50C-407E-A947-70E740481C1C}">
+                            <a14:useLocalDpi xmlns:a14="http://schemas.microsoft.com/office/drawing/2010/main" val="0"/>
+                          </a:ext>
+                        </a:extLst>
+                      </a:blip>
+                      <a:srcRect/>
+                      <a:stretch>
+                        <a:fillRect/>
+                      </a:stretch>
+                    </p:blipFill>
+                    <p:spPr bwMode="auto">
+                      <a:xfrm>
+                        <a:off x="3896897" y="3606860"/>
+                        <a:ext cx="1032291" cy="787340"/>
+                      </a:xfrm>
+                      <a:prstGeom prst="rect">
+                        <a:avLst/>
+                      </a:prstGeom>
+                      <a:noFill/>
+                      <a:extLst>
+                        <a:ext uri="{909E8E84-426E-40DD-AFC4-6F175D3DCCD1}">
+                          <a14:hiddenFill xmlns:a14="http://schemas.microsoft.com/office/drawing/2010/main">
+                            <a:solidFill>
+                              <a:srgbClr val="FFFFFF"/>
+                            </a:solidFill>
+                          </a14:hiddenFill>
+                        </a:ext>
+                      </a:extLst>
+                    </p:spPr>
+                  </p:pic>
+                </p:oleObj>
+              </mc:Fallback>
+            </mc:AlternateContent>
           </a:graphicData>
         </a:graphic>
       </p:graphicFrame>
@@ -4840,7 +4995,7 @@
     </p:spTree>
     <p:extLst>
       <p:ext uri="{BB962C8B-B14F-4D97-AF65-F5344CB8AC3E}">
-        <p14:creationId xmlns="" xmlns:p14="http://schemas.microsoft.com/office/powerpoint/2010/main" val="3427152478"/>
+        <p14:creationId xmlns:p14="http://schemas.microsoft.com/office/powerpoint/2010/main" val="3427152478"/>
       </p:ext>
     </p:extLst>
   </p:cSld>
@@ -5490,9 +5645,59 @@
         </p:xfrm>
         <a:graphic>
           <a:graphicData uri="http://schemas.openxmlformats.org/presentationml/2006/ole">
-            <p:oleObj spid="_x0000_s3219" name="方程式" r:id="rId4" imgW="342751" imgH="203112" progId="Equation.3">
-              <p:embed/>
-            </p:oleObj>
+            <mc:AlternateContent xmlns:mc="http://schemas.openxmlformats.org/markup-compatibility/2006">
+              <mc:Choice xmlns:v="urn:schemas-microsoft-com:vml" Requires="v">
+                <p:oleObj spid="_x0000_s3225" name="方程式" r:id="rId4" imgW="342751" imgH="203112" progId="Equation.3">
+                  <p:embed/>
+                </p:oleObj>
+              </mc:Choice>
+              <mc:Fallback>
+                <p:oleObj name="方程式" r:id="rId4" imgW="342751" imgH="203112" progId="Equation.3">
+                  <p:embed/>
+                  <p:pic>
+                    <p:nvPicPr>
+                      <p:cNvPr id="0" name="Picture 147"/>
+                      <p:cNvPicPr>
+                        <a:picLocks noChangeAspect="1" noChangeArrowheads="1"/>
+                      </p:cNvPicPr>
+                      <p:nvPr/>
+                    </p:nvPicPr>
+                    <p:blipFill>
+                      <a:blip r:embed="rId5">
+                        <a:extLst>
+                          <a:ext uri="{28A0092B-C50C-407E-A947-70E740481C1C}">
+                            <a14:useLocalDpi xmlns:a14="http://schemas.microsoft.com/office/drawing/2010/main" val="0"/>
+                          </a:ext>
+                        </a:extLst>
+                      </a:blip>
+                      <a:srcRect/>
+                      <a:stretch>
+                        <a:fillRect/>
+                      </a:stretch>
+                    </p:blipFill>
+                    <p:spPr bwMode="auto">
+                      <a:xfrm>
+                        <a:off x="1677860" y="3230032"/>
+                        <a:ext cx="814388" cy="482600"/>
+                      </a:xfrm>
+                      <a:prstGeom prst="rect">
+                        <a:avLst/>
+                      </a:prstGeom>
+                      <a:noFill/>
+                      <a:extLst>
+                        <a:ext uri="{909E8E84-426E-40DD-AFC4-6F175D3DCCD1}">
+                          <a14:hiddenFill xmlns:a14="http://schemas.microsoft.com/office/drawing/2010/main">
+                            <a:solidFill>
+                              <a:srgbClr val="FFFFFF"/>
+                            </a:solidFill>
+                          </a14:hiddenFill>
+                        </a:ext>
+                      </a:extLst>
+                    </p:spPr>
+                  </p:pic>
+                </p:oleObj>
+              </mc:Fallback>
+            </mc:AlternateContent>
           </a:graphicData>
         </a:graphic>
       </p:graphicFrame>
@@ -5510,9 +5715,59 @@
         </p:xfrm>
         <a:graphic>
           <a:graphicData uri="http://schemas.openxmlformats.org/presentationml/2006/ole">
-            <p:oleObj spid="_x0000_s3220" name="方程式" r:id="rId5" imgW="126725" imgH="126725" progId="Equation.3">
-              <p:embed/>
-            </p:oleObj>
+            <mc:AlternateContent xmlns:mc="http://schemas.openxmlformats.org/markup-compatibility/2006">
+              <mc:Choice xmlns:v="urn:schemas-microsoft-com:vml" Requires="v">
+                <p:oleObj spid="_x0000_s3226" name="方程式" r:id="rId6" imgW="126725" imgH="126725" progId="Equation.3">
+                  <p:embed/>
+                </p:oleObj>
+              </mc:Choice>
+              <mc:Fallback>
+                <p:oleObj name="方程式" r:id="rId6" imgW="126725" imgH="126725" progId="Equation.3">
+                  <p:embed/>
+                  <p:pic>
+                    <p:nvPicPr>
+                      <p:cNvPr id="0" name="Picture 148"/>
+                      <p:cNvPicPr>
+                        <a:picLocks noChangeAspect="1" noChangeArrowheads="1"/>
+                      </p:cNvPicPr>
+                      <p:nvPr/>
+                    </p:nvPicPr>
+                    <p:blipFill>
+                      <a:blip r:embed="rId7">
+                        <a:extLst>
+                          <a:ext uri="{28A0092B-C50C-407E-A947-70E740481C1C}">
+                            <a14:useLocalDpi xmlns:a14="http://schemas.microsoft.com/office/drawing/2010/main" val="0"/>
+                          </a:ext>
+                        </a:extLst>
+                      </a:blip>
+                      <a:srcRect/>
+                      <a:stretch>
+                        <a:fillRect/>
+                      </a:stretch>
+                    </p:blipFill>
+                    <p:spPr bwMode="auto">
+                      <a:xfrm>
+                        <a:off x="3910013" y="3039529"/>
+                        <a:ext cx="1019175" cy="776287"/>
+                      </a:xfrm>
+                      <a:prstGeom prst="rect">
+                        <a:avLst/>
+                      </a:prstGeom>
+                      <a:noFill/>
+                      <a:extLst>
+                        <a:ext uri="{909E8E84-426E-40DD-AFC4-6F175D3DCCD1}">
+                          <a14:hiddenFill xmlns:a14="http://schemas.microsoft.com/office/drawing/2010/main">
+                            <a:solidFill>
+                              <a:srgbClr val="FFFFFF"/>
+                            </a:solidFill>
+                          </a14:hiddenFill>
+                        </a:ext>
+                      </a:extLst>
+                    </p:spPr>
+                  </p:pic>
+                </p:oleObj>
+              </mc:Fallback>
+            </mc:AlternateContent>
           </a:graphicData>
         </a:graphic>
       </p:graphicFrame>
@@ -5703,7 +5958,7 @@
           <p:nvPr/>
         </p:nvPicPr>
         <p:blipFill>
-          <a:blip r:embed="rId6"/>
+          <a:blip r:embed="rId8"/>
           <a:srcRect/>
           <a:stretch>
             <a:fillRect/>
@@ -5740,16 +5995,66 @@
         </p:xfrm>
         <a:graphic>
           <a:graphicData uri="http://schemas.openxmlformats.org/presentationml/2006/ole">
-            <p:oleObj spid="_x0000_s3221" name="方程式" r:id="rId7" imgW="1803400" imgH="228600" progId="Equation.3">
-              <p:embed/>
-            </p:oleObj>
+            <mc:AlternateContent xmlns:mc="http://schemas.openxmlformats.org/markup-compatibility/2006">
+              <mc:Choice xmlns:v="urn:schemas-microsoft-com:vml" Requires="v">
+                <p:oleObj spid="_x0000_s3227" name="方程式" r:id="rId9" imgW="1803400" imgH="228600" progId="Equation.3">
+                  <p:embed/>
+                </p:oleObj>
+              </mc:Choice>
+              <mc:Fallback>
+                <p:oleObj name="方程式" r:id="rId9" imgW="1803400" imgH="228600" progId="Equation.3">
+                  <p:embed/>
+                  <p:pic>
+                    <p:nvPicPr>
+                      <p:cNvPr id="0" name="Picture 149"/>
+                      <p:cNvPicPr>
+                        <a:picLocks noChangeAspect="1" noChangeArrowheads="1"/>
+                      </p:cNvPicPr>
+                      <p:nvPr/>
+                    </p:nvPicPr>
+                    <p:blipFill>
+                      <a:blip r:embed="rId10">
+                        <a:extLst>
+                          <a:ext uri="{28A0092B-C50C-407E-A947-70E740481C1C}">
+                            <a14:useLocalDpi xmlns:a14="http://schemas.microsoft.com/office/drawing/2010/main" val="0"/>
+                          </a:ext>
+                        </a:extLst>
+                      </a:blip>
+                      <a:srcRect/>
+                      <a:stretch>
+                        <a:fillRect/>
+                      </a:stretch>
+                    </p:blipFill>
+                    <p:spPr bwMode="auto">
+                      <a:xfrm>
+                        <a:off x="5112835" y="3196166"/>
+                        <a:ext cx="3692525" cy="533400"/>
+                      </a:xfrm>
+                      <a:prstGeom prst="rect">
+                        <a:avLst/>
+                      </a:prstGeom>
+                      <a:noFill/>
+                      <a:extLst>
+                        <a:ext uri="{909E8E84-426E-40DD-AFC4-6F175D3DCCD1}">
+                          <a14:hiddenFill xmlns:a14="http://schemas.microsoft.com/office/drawing/2010/main">
+                            <a:solidFill>
+                              <a:srgbClr val="FFFFFF"/>
+                            </a:solidFill>
+                          </a14:hiddenFill>
+                        </a:ext>
+                      </a:extLst>
+                    </p:spPr>
+                  </p:pic>
+                </p:oleObj>
+              </mc:Fallback>
+            </mc:AlternateContent>
           </a:graphicData>
         </a:graphic>
       </p:graphicFrame>
     </p:spTree>
     <p:extLst>
       <p:ext uri="{BB962C8B-B14F-4D97-AF65-F5344CB8AC3E}">
-        <p14:creationId xmlns="" xmlns:p14="http://schemas.microsoft.com/office/powerpoint/2010/main" val="3427152478"/>
+        <p14:creationId xmlns:p14="http://schemas.microsoft.com/office/powerpoint/2010/main" val="3427152478"/>
       </p:ext>
     </p:extLst>
   </p:cSld>
@@ -6148,9 +6453,59 @@
         </p:xfrm>
         <a:graphic>
           <a:graphicData uri="http://schemas.openxmlformats.org/presentationml/2006/ole">
-            <p:oleObj spid="_x0000_s25630" name="方程式" r:id="rId4" imgW="368140" imgH="215806" progId="Equation.3">
-              <p:embed/>
-            </p:oleObj>
+            <mc:AlternateContent xmlns:mc="http://schemas.openxmlformats.org/markup-compatibility/2006">
+              <mc:Choice xmlns:v="urn:schemas-microsoft-com:vml" Requires="v">
+                <p:oleObj spid="_x0000_s25638" name="方程式" r:id="rId4" imgW="368140" imgH="215806" progId="Equation.3">
+                  <p:embed/>
+                </p:oleObj>
+              </mc:Choice>
+              <mc:Fallback>
+                <p:oleObj name="方程式" r:id="rId4" imgW="368140" imgH="215806" progId="Equation.3">
+                  <p:embed/>
+                  <p:pic>
+                    <p:nvPicPr>
+                      <p:cNvPr id="0" name="Picture 30"/>
+                      <p:cNvPicPr>
+                        <a:picLocks noChangeAspect="1" noChangeArrowheads="1"/>
+                      </p:cNvPicPr>
+                      <p:nvPr/>
+                    </p:nvPicPr>
+                    <p:blipFill>
+                      <a:blip r:embed="rId5">
+                        <a:extLst>
+                          <a:ext uri="{28A0092B-C50C-407E-A947-70E740481C1C}">
+                            <a14:useLocalDpi xmlns:a14="http://schemas.microsoft.com/office/drawing/2010/main" val="0"/>
+                          </a:ext>
+                        </a:extLst>
+                      </a:blip>
+                      <a:srcRect/>
+                      <a:stretch>
+                        <a:fillRect/>
+                      </a:stretch>
+                    </p:blipFill>
+                    <p:spPr bwMode="auto">
+                      <a:xfrm>
+                        <a:off x="7269736" y="1128715"/>
+                        <a:ext cx="873125" cy="512762"/>
+                      </a:xfrm>
+                      <a:prstGeom prst="rect">
+                        <a:avLst/>
+                      </a:prstGeom>
+                      <a:noFill/>
+                      <a:extLst>
+                        <a:ext uri="{909E8E84-426E-40DD-AFC4-6F175D3DCCD1}">
+                          <a14:hiddenFill xmlns:a14="http://schemas.microsoft.com/office/drawing/2010/main">
+                            <a:solidFill>
+                              <a:srgbClr val="FFFFFF"/>
+                            </a:solidFill>
+                          </a14:hiddenFill>
+                        </a:ext>
+                      </a:extLst>
+                    </p:spPr>
+                  </p:pic>
+                </p:oleObj>
+              </mc:Fallback>
+            </mc:AlternateContent>
           </a:graphicData>
         </a:graphic>
       </p:graphicFrame>
@@ -6527,9 +6882,59 @@
         </p:xfrm>
         <a:graphic>
           <a:graphicData uri="http://schemas.openxmlformats.org/presentationml/2006/ole">
-            <p:oleObj spid="_x0000_s25631" name="方程式" r:id="rId5" imgW="380835" imgH="215806" progId="Equation.3">
-              <p:embed/>
-            </p:oleObj>
+            <mc:AlternateContent xmlns:mc="http://schemas.openxmlformats.org/markup-compatibility/2006">
+              <mc:Choice xmlns:v="urn:schemas-microsoft-com:vml" Requires="v">
+                <p:oleObj spid="_x0000_s25639" name="方程式" r:id="rId6" imgW="380835" imgH="215806" progId="Equation.3">
+                  <p:embed/>
+                </p:oleObj>
+              </mc:Choice>
+              <mc:Fallback>
+                <p:oleObj name="方程式" r:id="rId6" imgW="380835" imgH="215806" progId="Equation.3">
+                  <p:embed/>
+                  <p:pic>
+                    <p:nvPicPr>
+                      <p:cNvPr id="0" name="Picture 31"/>
+                      <p:cNvPicPr>
+                        <a:picLocks noChangeAspect="1" noChangeArrowheads="1"/>
+                      </p:cNvPicPr>
+                      <p:nvPr/>
+                    </p:nvPicPr>
+                    <p:blipFill>
+                      <a:blip r:embed="rId7">
+                        <a:extLst>
+                          <a:ext uri="{28A0092B-C50C-407E-A947-70E740481C1C}">
+                            <a14:useLocalDpi xmlns:a14="http://schemas.microsoft.com/office/drawing/2010/main" val="0"/>
+                          </a:ext>
+                        </a:extLst>
+                      </a:blip>
+                      <a:srcRect/>
+                      <a:stretch>
+                        <a:fillRect/>
+                      </a:stretch>
+                    </p:blipFill>
+                    <p:spPr bwMode="auto">
+                      <a:xfrm>
+                        <a:off x="7263903" y="2898777"/>
+                        <a:ext cx="903287" cy="512763"/>
+                      </a:xfrm>
+                      <a:prstGeom prst="rect">
+                        <a:avLst/>
+                      </a:prstGeom>
+                      <a:noFill/>
+                      <a:extLst>
+                        <a:ext uri="{909E8E84-426E-40DD-AFC4-6F175D3DCCD1}">
+                          <a14:hiddenFill xmlns:a14="http://schemas.microsoft.com/office/drawing/2010/main">
+                            <a:solidFill>
+                              <a:srgbClr val="FFFFFF"/>
+                            </a:solidFill>
+                          </a14:hiddenFill>
+                        </a:ext>
+                      </a:extLst>
+                    </p:spPr>
+                  </p:pic>
+                </p:oleObj>
+              </mc:Fallback>
+            </mc:AlternateContent>
           </a:graphicData>
         </a:graphic>
       </p:graphicFrame>
@@ -6906,9 +7311,59 @@
         </p:xfrm>
         <a:graphic>
           <a:graphicData uri="http://schemas.openxmlformats.org/presentationml/2006/ole">
-            <p:oleObj spid="_x0000_s25632" name="方程式" r:id="rId6" imgW="381000" imgH="228600" progId="Equation.3">
-              <p:embed/>
-            </p:oleObj>
+            <mc:AlternateContent xmlns:mc="http://schemas.openxmlformats.org/markup-compatibility/2006">
+              <mc:Choice xmlns:v="urn:schemas-microsoft-com:vml" Requires="v">
+                <p:oleObj spid="_x0000_s25640" name="方程式" r:id="rId8" imgW="381000" imgH="228600" progId="Equation.3">
+                  <p:embed/>
+                </p:oleObj>
+              </mc:Choice>
+              <mc:Fallback>
+                <p:oleObj name="方程式" r:id="rId8" imgW="381000" imgH="228600" progId="Equation.3">
+                  <p:embed/>
+                  <p:pic>
+                    <p:nvPicPr>
+                      <p:cNvPr id="0" name="Picture 32"/>
+                      <p:cNvPicPr>
+                        <a:picLocks noChangeAspect="1" noChangeArrowheads="1"/>
+                      </p:cNvPicPr>
+                      <p:nvPr/>
+                    </p:nvPicPr>
+                    <p:blipFill>
+                      <a:blip r:embed="rId9">
+                        <a:extLst>
+                          <a:ext uri="{28A0092B-C50C-407E-A947-70E740481C1C}">
+                            <a14:useLocalDpi xmlns:a14="http://schemas.microsoft.com/office/drawing/2010/main" val="0"/>
+                          </a:ext>
+                        </a:extLst>
+                      </a:blip>
+                      <a:srcRect/>
+                      <a:stretch>
+                        <a:fillRect/>
+                      </a:stretch>
+                    </p:blipFill>
+                    <p:spPr bwMode="auto">
+                      <a:xfrm>
+                        <a:off x="7240090" y="4621215"/>
+                        <a:ext cx="903288" cy="542925"/>
+                      </a:xfrm>
+                      <a:prstGeom prst="rect">
+                        <a:avLst/>
+                      </a:prstGeom>
+                      <a:noFill/>
+                      <a:extLst>
+                        <a:ext uri="{909E8E84-426E-40DD-AFC4-6F175D3DCCD1}">
+                          <a14:hiddenFill xmlns:a14="http://schemas.microsoft.com/office/drawing/2010/main">
+                            <a:solidFill>
+                              <a:srgbClr val="FFFFFF"/>
+                            </a:solidFill>
+                          </a14:hiddenFill>
+                        </a:ext>
+                      </a:extLst>
+                    </p:spPr>
+                  </p:pic>
+                </p:oleObj>
+              </mc:Fallback>
+            </mc:AlternateContent>
           </a:graphicData>
         </a:graphic>
       </p:graphicFrame>
@@ -7424,16 +7879,66 @@
         </p:xfrm>
         <a:graphic>
           <a:graphicData uri="http://schemas.openxmlformats.org/presentationml/2006/ole">
-            <p:oleObj spid="_x0000_s25633" name="方程式" r:id="rId7" imgW="419100" imgH="228600" progId="Equation.3">
-              <p:embed/>
-            </p:oleObj>
+            <mc:AlternateContent xmlns:mc="http://schemas.openxmlformats.org/markup-compatibility/2006">
+              <mc:Choice xmlns:v="urn:schemas-microsoft-com:vml" Requires="v">
+                <p:oleObj spid="_x0000_s25641" name="方程式" r:id="rId10" imgW="419100" imgH="228600" progId="Equation.3">
+                  <p:embed/>
+                </p:oleObj>
+              </mc:Choice>
+              <mc:Fallback>
+                <p:oleObj name="方程式" r:id="rId10" imgW="419100" imgH="228600" progId="Equation.3">
+                  <p:embed/>
+                  <p:pic>
+                    <p:nvPicPr>
+                      <p:cNvPr id="0" name="Picture 33"/>
+                      <p:cNvPicPr>
+                        <a:picLocks noChangeAspect="1" noChangeArrowheads="1"/>
+                      </p:cNvPicPr>
+                      <p:nvPr/>
+                    </p:nvPicPr>
+                    <p:blipFill>
+                      <a:blip r:embed="rId11">
+                        <a:extLst>
+                          <a:ext uri="{28A0092B-C50C-407E-A947-70E740481C1C}">
+                            <a14:useLocalDpi xmlns:a14="http://schemas.microsoft.com/office/drawing/2010/main" val="0"/>
+                          </a:ext>
+                        </a:extLst>
+                      </a:blip>
+                      <a:srcRect/>
+                      <a:stretch>
+                        <a:fillRect/>
+                      </a:stretch>
+                    </p:blipFill>
+                    <p:spPr bwMode="auto">
+                      <a:xfrm>
+                        <a:off x="7192963" y="5778500"/>
+                        <a:ext cx="993775" cy="542925"/>
+                      </a:xfrm>
+                      <a:prstGeom prst="rect">
+                        <a:avLst/>
+                      </a:prstGeom>
+                      <a:noFill/>
+                      <a:extLst>
+                        <a:ext uri="{909E8E84-426E-40DD-AFC4-6F175D3DCCD1}">
+                          <a14:hiddenFill xmlns:a14="http://schemas.microsoft.com/office/drawing/2010/main">
+                            <a:solidFill>
+                              <a:srgbClr val="FFFFFF"/>
+                            </a:solidFill>
+                          </a14:hiddenFill>
+                        </a:ext>
+                      </a:extLst>
+                    </p:spPr>
+                  </p:pic>
+                </p:oleObj>
+              </mc:Fallback>
+            </mc:AlternateContent>
           </a:graphicData>
         </a:graphic>
       </p:graphicFrame>
     </p:spTree>
     <p:extLst>
       <p:ext uri="{BB962C8B-B14F-4D97-AF65-F5344CB8AC3E}">
-        <p14:creationId xmlns="" xmlns:p14="http://schemas.microsoft.com/office/powerpoint/2010/main" val="2123413861"/>
+        <p14:creationId xmlns:p14="http://schemas.microsoft.com/office/powerpoint/2010/main" val="2123413861"/>
       </p:ext>
     </p:extLst>
   </p:cSld>
@@ -8442,7 +8947,7 @@
           <a:blip r:embed="rId3">
             <a:extLst>
               <a:ext uri="{28A0092B-C50C-407E-A947-70E740481C1C}">
-                <a14:useLocalDpi xmlns="" xmlns:a14="http://schemas.microsoft.com/office/drawing/2010/main" val="0"/>
+                <a14:useLocalDpi xmlns:a14="http://schemas.microsoft.com/office/drawing/2010/main" val="0"/>
               </a:ext>
             </a:extLst>
           </a:blip>
@@ -8472,7 +8977,7 @@
           <a:blip r:embed="rId4">
             <a:extLst>
               <a:ext uri="{28A0092B-C50C-407E-A947-70E740481C1C}">
-                <a14:useLocalDpi xmlns="" xmlns:a14="http://schemas.microsoft.com/office/drawing/2010/main" val="0"/>
+                <a14:useLocalDpi xmlns:a14="http://schemas.microsoft.com/office/drawing/2010/main" val="0"/>
               </a:ext>
             </a:extLst>
           </a:blip>
@@ -8493,7 +8998,7 @@
     </p:spTree>
     <p:extLst>
       <p:ext uri="{BB962C8B-B14F-4D97-AF65-F5344CB8AC3E}">
-        <p14:creationId xmlns="" xmlns:p14="http://schemas.microsoft.com/office/powerpoint/2010/main" val="2123413861"/>
+        <p14:creationId xmlns:p14="http://schemas.microsoft.com/office/powerpoint/2010/main" val="2123413861"/>
       </p:ext>
     </p:extLst>
   </p:cSld>
@@ -8646,7 +9151,7 @@
           <a:blip r:embed="rId3">
             <a:extLst>
               <a:ext uri="{28A0092B-C50C-407E-A947-70E740481C1C}">
-                <a14:useLocalDpi xmlns="" xmlns:a14="http://schemas.microsoft.com/office/drawing/2010/main" val="0"/>
+                <a14:useLocalDpi xmlns:a14="http://schemas.microsoft.com/office/drawing/2010/main" val="0"/>
               </a:ext>
             </a:extLst>
           </a:blip>
@@ -8676,7 +9181,7 @@
           <a:blip r:embed="rId4">
             <a:extLst>
               <a:ext uri="{28A0092B-C50C-407E-A947-70E740481C1C}">
-                <a14:useLocalDpi xmlns="" xmlns:a14="http://schemas.microsoft.com/office/drawing/2010/main" val="0"/>
+                <a14:useLocalDpi xmlns:a14="http://schemas.microsoft.com/office/drawing/2010/main" val="0"/>
               </a:ext>
             </a:extLst>
           </a:blip>
@@ -8706,7 +9211,7 @@
           <a:blip r:embed="rId5">
             <a:extLst>
               <a:ext uri="{28A0092B-C50C-407E-A947-70E740481C1C}">
-                <a14:useLocalDpi xmlns="" xmlns:a14="http://schemas.microsoft.com/office/drawing/2010/main" val="0"/>
+                <a14:useLocalDpi xmlns:a14="http://schemas.microsoft.com/office/drawing/2010/main" val="0"/>
               </a:ext>
             </a:extLst>
           </a:blip>
@@ -8736,7 +9241,7 @@
           <a:blip r:embed="rId6">
             <a:extLst>
               <a:ext uri="{28A0092B-C50C-407E-A947-70E740481C1C}">
-                <a14:useLocalDpi xmlns="" xmlns:a14="http://schemas.microsoft.com/office/drawing/2010/main" val="0"/>
+                <a14:useLocalDpi xmlns:a14="http://schemas.microsoft.com/office/drawing/2010/main" val="0"/>
               </a:ext>
             </a:extLst>
           </a:blip>
@@ -8766,7 +9271,7 @@
           <a:blip r:embed="rId7">
             <a:extLst>
               <a:ext uri="{28A0092B-C50C-407E-A947-70E740481C1C}">
-                <a14:useLocalDpi xmlns="" xmlns:a14="http://schemas.microsoft.com/office/drawing/2010/main" val="0"/>
+                <a14:useLocalDpi xmlns:a14="http://schemas.microsoft.com/office/drawing/2010/main" val="0"/>
               </a:ext>
             </a:extLst>
           </a:blip>
@@ -8787,18 +9292,18 @@
     </p:spTree>
     <p:extLst>
       <p:ext uri="{BB962C8B-B14F-4D97-AF65-F5344CB8AC3E}">
-        <p14:creationId xmlns="" xmlns:p14="http://schemas.microsoft.com/office/powerpoint/2010/main" val="496767900"/>
+        <p14:creationId xmlns:p14="http://schemas.microsoft.com/office/powerpoint/2010/main" val="496767900"/>
       </p:ext>
     </p:extLst>
   </p:cSld>
   <p:clrMapOvr>
     <a:masterClrMapping/>
   </p:clrMapOvr>
-  <mc:AlternateContent xmlns:mc="http://schemas.openxmlformats.org/markup-compatibility/2006">
-    <mc:Choice xmlns="" xmlns:p14="http://schemas.microsoft.com/office/powerpoint/2010/main" Requires="p14">
+  <mc:AlternateContent xmlns:mc="http://schemas.openxmlformats.org/markup-compatibility/2006" xmlns:p14="http://schemas.microsoft.com/office/powerpoint/2010/main">
+    <mc:Choice Requires="p14">
       <p:transition spd="slow" p14:dur="2000"/>
     </mc:Choice>
-    <mc:Fallback>
+    <mc:Fallback xmlns="">
       <p:transition spd="slow"/>
     </mc:Fallback>
   </mc:AlternateContent>
@@ -9085,9 +9590,59 @@
         </p:xfrm>
         <a:graphic>
           <a:graphicData uri="http://schemas.openxmlformats.org/presentationml/2006/ole">
-            <p:oleObj spid="_x0000_s26668" name="方程式" r:id="rId3" imgW="3644640" imgH="228600" progId="Equation.3">
-              <p:embed/>
-            </p:oleObj>
+            <mc:AlternateContent xmlns:mc="http://schemas.openxmlformats.org/markup-compatibility/2006">
+              <mc:Choice xmlns:v="urn:schemas-microsoft-com:vml" Requires="v">
+                <p:oleObj spid="_x0000_s26680" name="方程式" r:id="rId3" imgW="3644640" imgH="228600" progId="Equation.3">
+                  <p:embed/>
+                </p:oleObj>
+              </mc:Choice>
+              <mc:Fallback>
+                <p:oleObj name="方程式" r:id="rId3" imgW="3644640" imgH="228600" progId="Equation.3">
+                  <p:embed/>
+                  <p:pic>
+                    <p:nvPicPr>
+                      <p:cNvPr id="0" name="Picture 44"/>
+                      <p:cNvPicPr>
+                        <a:picLocks noChangeAspect="1" noChangeArrowheads="1"/>
+                      </p:cNvPicPr>
+                      <p:nvPr/>
+                    </p:nvPicPr>
+                    <p:blipFill>
+                      <a:blip r:embed="rId4">
+                        <a:extLst>
+                          <a:ext uri="{28A0092B-C50C-407E-A947-70E740481C1C}">
+                            <a14:useLocalDpi xmlns:a14="http://schemas.microsoft.com/office/drawing/2010/main" val="0"/>
+                          </a:ext>
+                        </a:extLst>
+                      </a:blip>
+                      <a:srcRect/>
+                      <a:stretch>
+                        <a:fillRect/>
+                      </a:stretch>
+                    </p:blipFill>
+                    <p:spPr bwMode="auto">
+                      <a:xfrm>
+                        <a:off x="442883" y="1485900"/>
+                        <a:ext cx="8322205" cy="546100"/>
+                      </a:xfrm>
+                      <a:prstGeom prst="rect">
+                        <a:avLst/>
+                      </a:prstGeom>
+                      <a:noFill/>
+                      <a:extLst>
+                        <a:ext uri="{909E8E84-426E-40DD-AFC4-6F175D3DCCD1}">
+                          <a14:hiddenFill xmlns:a14="http://schemas.microsoft.com/office/drawing/2010/main">
+                            <a:solidFill>
+                              <a:srgbClr val="FFFFFF"/>
+                            </a:solidFill>
+                          </a14:hiddenFill>
+                        </a:ext>
+                      </a:extLst>
+                    </p:spPr>
+                  </p:pic>
+                </p:oleObj>
+              </mc:Fallback>
+            </mc:AlternateContent>
           </a:graphicData>
         </a:graphic>
       </p:graphicFrame>
@@ -9143,9 +9698,59 @@
         </p:xfrm>
         <a:graphic>
           <a:graphicData uri="http://schemas.openxmlformats.org/presentationml/2006/ole">
-            <p:oleObj spid="_x0000_s26669" name="方程式" r:id="rId4" imgW="1282700" imgH="431800" progId="Equation.3">
-              <p:embed/>
-            </p:oleObj>
+            <mc:AlternateContent xmlns:mc="http://schemas.openxmlformats.org/markup-compatibility/2006">
+              <mc:Choice xmlns:v="urn:schemas-microsoft-com:vml" Requires="v">
+                <p:oleObj spid="_x0000_s26681" name="方程式" r:id="rId5" imgW="1282700" imgH="431800" progId="Equation.3">
+                  <p:embed/>
+                </p:oleObj>
+              </mc:Choice>
+              <mc:Fallback>
+                <p:oleObj name="方程式" r:id="rId5" imgW="1282700" imgH="431800" progId="Equation.3">
+                  <p:embed/>
+                  <p:pic>
+                    <p:nvPicPr>
+                      <p:cNvPr id="0" name="Picture 45"/>
+                      <p:cNvPicPr>
+                        <a:picLocks noChangeAspect="1" noChangeArrowheads="1"/>
+                      </p:cNvPicPr>
+                      <p:nvPr/>
+                    </p:nvPicPr>
+                    <p:blipFill>
+                      <a:blip r:embed="rId6">
+                        <a:extLst>
+                          <a:ext uri="{28A0092B-C50C-407E-A947-70E740481C1C}">
+                            <a14:useLocalDpi xmlns:a14="http://schemas.microsoft.com/office/drawing/2010/main" val="0"/>
+                          </a:ext>
+                        </a:extLst>
+                      </a:blip>
+                      <a:srcRect/>
+                      <a:stretch>
+                        <a:fillRect/>
+                      </a:stretch>
+                    </p:blipFill>
+                    <p:spPr bwMode="auto">
+                      <a:xfrm>
+                        <a:off x="552979" y="2893116"/>
+                        <a:ext cx="2860137" cy="984613"/>
+                      </a:xfrm>
+                      <a:prstGeom prst="rect">
+                        <a:avLst/>
+                      </a:prstGeom>
+                      <a:noFill/>
+                      <a:extLst>
+                        <a:ext uri="{909E8E84-426E-40DD-AFC4-6F175D3DCCD1}">
+                          <a14:hiddenFill xmlns:a14="http://schemas.microsoft.com/office/drawing/2010/main">
+                            <a:solidFill>
+                              <a:srgbClr val="FFFFFF"/>
+                            </a:solidFill>
+                          </a14:hiddenFill>
+                        </a:ext>
+                      </a:extLst>
+                    </p:spPr>
+                  </p:pic>
+                </p:oleObj>
+              </mc:Fallback>
+            </mc:AlternateContent>
           </a:graphicData>
         </a:graphic>
       </p:graphicFrame>
@@ -9163,9 +9768,82 @@
         </p:xfrm>
         <a:graphic>
           <a:graphicData uri="http://schemas.openxmlformats.org/presentationml/2006/ole">
-            <p:oleObj spid="_x0000_s26670" name="方程式" r:id="rId5" imgW="406224" imgH="228501" progId="Equation.3">
-              <p:embed/>
-            </p:oleObj>
+            <mc:AlternateContent xmlns:mc="http://schemas.openxmlformats.org/markup-compatibility/2006">
+              <mc:Choice xmlns:v="urn:schemas-microsoft-com:vml" Requires="v">
+                <p:oleObj spid="_x0000_s26682" name="方程式" r:id="rId7" imgW="406224" imgH="228501" progId="Equation.3">
+                  <p:embed/>
+                </p:oleObj>
+              </mc:Choice>
+              <mc:Fallback>
+                <p:oleObj name="方程式" r:id="rId7" imgW="406224" imgH="228501" progId="Equation.3">
+                  <p:embed/>
+                  <p:pic>
+                    <p:nvPicPr>
+                      <p:cNvPr id="0" name="Picture 46"/>
+                      <p:cNvPicPr>
+                        <a:picLocks noChangeAspect="1" noChangeArrowheads="1"/>
+                      </p:cNvPicPr>
+                      <p:nvPr/>
+                    </p:nvPicPr>
+                    <p:blipFill>
+                      <a:blip r:embed="rId8">
+                        <a:extLst>
+                          <a:ext uri="{28A0092B-C50C-407E-A947-70E740481C1C}">
+                            <a14:useLocalDpi xmlns:a14="http://schemas.microsoft.com/office/drawing/2010/main" val="0"/>
+                          </a:ext>
+                        </a:extLst>
+                      </a:blip>
+                      <a:srcRect/>
+                      <a:stretch>
+                        <a:fillRect/>
+                      </a:stretch>
+                    </p:blipFill>
+                    <p:spPr bwMode="auto">
+                      <a:xfrm>
+                        <a:off x="3708400" y="3238496"/>
+                        <a:ext cx="895586" cy="503767"/>
+                      </a:xfrm>
+                      <a:prstGeom prst="rect">
+                        <a:avLst/>
+                      </a:prstGeom>
+                      <a:noFill/>
+                      <a:ln>
+                        <a:noFill/>
+                      </a:ln>
+                      <a:effectLst/>
+                      <a:extLst>
+                        <a:ext uri="{909E8E84-426E-40DD-AFC4-6F175D3DCCD1}">
+                          <a14:hiddenFill xmlns:a14="http://schemas.microsoft.com/office/drawing/2010/main">
+                            <a:solidFill>
+                              <a:schemeClr val="accent1"/>
+                            </a:solidFill>
+                          </a14:hiddenFill>
+                        </a:ext>
+                        <a:ext uri="{91240B29-F687-4F45-9708-019B960494DF}">
+                          <a14:hiddenLine xmlns:a14="http://schemas.microsoft.com/office/drawing/2010/main" w="9525">
+                            <a:solidFill>
+                              <a:schemeClr val="tx1"/>
+                            </a:solidFill>
+                            <a:miter lim="800000"/>
+                            <a:headEnd/>
+                            <a:tailEnd/>
+                          </a14:hiddenLine>
+                        </a:ext>
+                        <a:ext uri="{AF507438-7753-43E0-B8FC-AC1667EBCBE1}">
+                          <a14:hiddenEffects xmlns:a14="http://schemas.microsoft.com/office/drawing/2010/main">
+                            <a:effectLst>
+                              <a:outerShdw dist="35921" dir="2700000" algn="ctr" rotWithShape="0">
+                                <a:schemeClr val="bg2"/>
+                              </a:outerShdw>
+                            </a:effectLst>
+                          </a14:hiddenEffects>
+                        </a:ext>
+                      </a:extLst>
+                    </p:spPr>
+                  </p:pic>
+                </p:oleObj>
+              </mc:Fallback>
+            </mc:AlternateContent>
           </a:graphicData>
         </a:graphic>
       </p:graphicFrame>
@@ -9183,9 +9861,82 @@
         </p:xfrm>
         <a:graphic>
           <a:graphicData uri="http://schemas.openxmlformats.org/presentationml/2006/ole">
-            <p:oleObj spid="_x0000_s26671" name="方程式" r:id="rId6" imgW="190500" imgH="228600" progId="Equation.3">
-              <p:embed/>
-            </p:oleObj>
+            <mc:AlternateContent xmlns:mc="http://schemas.openxmlformats.org/markup-compatibility/2006">
+              <mc:Choice xmlns:v="urn:schemas-microsoft-com:vml" Requires="v">
+                <p:oleObj spid="_x0000_s26683" name="方程式" r:id="rId9" imgW="190500" imgH="228600" progId="Equation.3">
+                  <p:embed/>
+                </p:oleObj>
+              </mc:Choice>
+              <mc:Fallback>
+                <p:oleObj name="方程式" r:id="rId9" imgW="190500" imgH="228600" progId="Equation.3">
+                  <p:embed/>
+                  <p:pic>
+                    <p:nvPicPr>
+                      <p:cNvPr id="0" name="Picture 47"/>
+                      <p:cNvPicPr>
+                        <a:picLocks noChangeAspect="1" noChangeArrowheads="1"/>
+                      </p:cNvPicPr>
+                      <p:nvPr/>
+                    </p:nvPicPr>
+                    <p:blipFill>
+                      <a:blip r:embed="rId10">
+                        <a:extLst>
+                          <a:ext uri="{28A0092B-C50C-407E-A947-70E740481C1C}">
+                            <a14:useLocalDpi xmlns:a14="http://schemas.microsoft.com/office/drawing/2010/main" val="0"/>
+                          </a:ext>
+                        </a:extLst>
+                      </a:blip>
+                      <a:srcRect/>
+                      <a:stretch>
+                        <a:fillRect/>
+                      </a:stretch>
+                    </p:blipFill>
+                    <p:spPr bwMode="auto">
+                      <a:xfrm>
+                        <a:off x="6536251" y="3238496"/>
+                        <a:ext cx="419805" cy="503766"/>
+                      </a:xfrm>
+                      <a:prstGeom prst="rect">
+                        <a:avLst/>
+                      </a:prstGeom>
+                      <a:noFill/>
+                      <a:ln>
+                        <a:noFill/>
+                      </a:ln>
+                      <a:effectLst/>
+                      <a:extLst>
+                        <a:ext uri="{909E8E84-426E-40DD-AFC4-6F175D3DCCD1}">
+                          <a14:hiddenFill xmlns:a14="http://schemas.microsoft.com/office/drawing/2010/main">
+                            <a:solidFill>
+                              <a:schemeClr val="accent1"/>
+                            </a:solidFill>
+                          </a14:hiddenFill>
+                        </a:ext>
+                        <a:ext uri="{91240B29-F687-4F45-9708-019B960494DF}">
+                          <a14:hiddenLine xmlns:a14="http://schemas.microsoft.com/office/drawing/2010/main" w="9525">
+                            <a:solidFill>
+                              <a:schemeClr val="tx1"/>
+                            </a:solidFill>
+                            <a:miter lim="800000"/>
+                            <a:headEnd/>
+                            <a:tailEnd/>
+                          </a14:hiddenLine>
+                        </a:ext>
+                        <a:ext uri="{AF507438-7753-43E0-B8FC-AC1667EBCBE1}">
+                          <a14:hiddenEffects xmlns:a14="http://schemas.microsoft.com/office/drawing/2010/main">
+                            <a:effectLst>
+                              <a:outerShdw dist="35921" dir="2700000" algn="ctr" rotWithShape="0">
+                                <a:schemeClr val="bg2"/>
+                              </a:outerShdw>
+                            </a:effectLst>
+                          </a14:hiddenEffects>
+                        </a:ext>
+                      </a:extLst>
+                    </p:spPr>
+                  </p:pic>
+                </p:oleObj>
+              </mc:Fallback>
+            </mc:AlternateContent>
           </a:graphicData>
         </a:graphic>
       </p:graphicFrame>
@@ -9301,9 +10052,82 @@
         </p:xfrm>
         <a:graphic>
           <a:graphicData uri="http://schemas.openxmlformats.org/presentationml/2006/ole">
-            <p:oleObj spid="_x0000_s26672" name="方程式" r:id="rId7" imgW="672808" imgH="393529" progId="Equation.3">
-              <p:embed/>
-            </p:oleObj>
+            <mc:AlternateContent xmlns:mc="http://schemas.openxmlformats.org/markup-compatibility/2006">
+              <mc:Choice xmlns:v="urn:schemas-microsoft-com:vml" Requires="v">
+                <p:oleObj spid="_x0000_s26684" name="方程式" r:id="rId11" imgW="672808" imgH="393529" progId="Equation.3">
+                  <p:embed/>
+                </p:oleObj>
+              </mc:Choice>
+              <mc:Fallback>
+                <p:oleObj name="方程式" r:id="rId11" imgW="672808" imgH="393529" progId="Equation.3">
+                  <p:embed/>
+                  <p:pic>
+                    <p:nvPicPr>
+                      <p:cNvPr id="0" name="Picture 48"/>
+                      <p:cNvPicPr>
+                        <a:picLocks noChangeAspect="1" noChangeArrowheads="1"/>
+                      </p:cNvPicPr>
+                      <p:nvPr/>
+                    </p:nvPicPr>
+                    <p:blipFill>
+                      <a:blip r:embed="rId12">
+                        <a:extLst>
+                          <a:ext uri="{28A0092B-C50C-407E-A947-70E740481C1C}">
+                            <a14:useLocalDpi xmlns:a14="http://schemas.microsoft.com/office/drawing/2010/main" val="0"/>
+                          </a:ext>
+                        </a:extLst>
+                      </a:blip>
+                      <a:srcRect/>
+                      <a:stretch>
+                        <a:fillRect/>
+                      </a:stretch>
+                    </p:blipFill>
+                    <p:spPr bwMode="auto">
+                      <a:xfrm>
+                        <a:off x="3711586" y="4100507"/>
+                        <a:ext cx="1482725" cy="866775"/>
+                      </a:xfrm>
+                      <a:prstGeom prst="rect">
+                        <a:avLst/>
+                      </a:prstGeom>
+                      <a:noFill/>
+                      <a:ln>
+                        <a:noFill/>
+                      </a:ln>
+                      <a:effectLst/>
+                      <a:extLst>
+                        <a:ext uri="{909E8E84-426E-40DD-AFC4-6F175D3DCCD1}">
+                          <a14:hiddenFill xmlns:a14="http://schemas.microsoft.com/office/drawing/2010/main">
+                            <a:solidFill>
+                              <a:schemeClr val="accent1"/>
+                            </a:solidFill>
+                          </a14:hiddenFill>
+                        </a:ext>
+                        <a:ext uri="{91240B29-F687-4F45-9708-019B960494DF}">
+                          <a14:hiddenLine xmlns:a14="http://schemas.microsoft.com/office/drawing/2010/main" w="9525">
+                            <a:solidFill>
+                              <a:schemeClr val="tx1"/>
+                            </a:solidFill>
+                            <a:miter lim="800000"/>
+                            <a:headEnd/>
+                            <a:tailEnd/>
+                          </a14:hiddenLine>
+                        </a:ext>
+                        <a:ext uri="{AF507438-7753-43E0-B8FC-AC1667EBCBE1}">
+                          <a14:hiddenEffects xmlns:a14="http://schemas.microsoft.com/office/drawing/2010/main">
+                            <a:effectLst>
+                              <a:outerShdw dist="35921" dir="2700000" algn="ctr" rotWithShape="0">
+                                <a:schemeClr val="bg2"/>
+                              </a:outerShdw>
+                            </a:effectLst>
+                          </a14:hiddenEffects>
+                        </a:ext>
+                      </a:extLst>
+                    </p:spPr>
+                  </p:pic>
+                </p:oleObj>
+              </mc:Fallback>
+            </mc:AlternateContent>
           </a:graphicData>
         </a:graphic>
       </p:graphicFrame>
@@ -9321,9 +10145,82 @@
         </p:xfrm>
         <a:graphic>
           <a:graphicData uri="http://schemas.openxmlformats.org/presentationml/2006/ole">
-            <p:oleObj spid="_x0000_s26673" name="方程式" r:id="rId8" imgW="431613" imgH="228501" progId="Equation.3">
-              <p:embed/>
-            </p:oleObj>
+            <mc:AlternateContent xmlns:mc="http://schemas.openxmlformats.org/markup-compatibility/2006">
+              <mc:Choice xmlns:v="urn:schemas-microsoft-com:vml" Requires="v">
+                <p:oleObj spid="_x0000_s26685" name="方程式" r:id="rId13" imgW="431613" imgH="228501" progId="Equation.3">
+                  <p:embed/>
+                </p:oleObj>
+              </mc:Choice>
+              <mc:Fallback>
+                <p:oleObj name="方程式" r:id="rId13" imgW="431613" imgH="228501" progId="Equation.3">
+                  <p:embed/>
+                  <p:pic>
+                    <p:nvPicPr>
+                      <p:cNvPr id="0" name="Picture 49"/>
+                      <p:cNvPicPr>
+                        <a:picLocks noChangeAspect="1" noChangeArrowheads="1"/>
+                      </p:cNvPicPr>
+                      <p:nvPr/>
+                    </p:nvPicPr>
+                    <p:blipFill>
+                      <a:blip r:embed="rId14">
+                        <a:extLst>
+                          <a:ext uri="{28A0092B-C50C-407E-A947-70E740481C1C}">
+                            <a14:useLocalDpi xmlns:a14="http://schemas.microsoft.com/office/drawing/2010/main" val="0"/>
+                          </a:ext>
+                        </a:extLst>
+                      </a:blip>
+                      <a:srcRect/>
+                      <a:stretch>
+                        <a:fillRect/>
+                      </a:stretch>
+                    </p:blipFill>
+                    <p:spPr bwMode="auto">
+                      <a:xfrm>
+                        <a:off x="6536251" y="4373560"/>
+                        <a:ext cx="949325" cy="503237"/>
+                      </a:xfrm>
+                      <a:prstGeom prst="rect">
+                        <a:avLst/>
+                      </a:prstGeom>
+                      <a:noFill/>
+                      <a:ln>
+                        <a:noFill/>
+                      </a:ln>
+                      <a:effectLst/>
+                      <a:extLst>
+                        <a:ext uri="{909E8E84-426E-40DD-AFC4-6F175D3DCCD1}">
+                          <a14:hiddenFill xmlns:a14="http://schemas.microsoft.com/office/drawing/2010/main">
+                            <a:solidFill>
+                              <a:schemeClr val="accent1"/>
+                            </a:solidFill>
+                          </a14:hiddenFill>
+                        </a:ext>
+                        <a:ext uri="{91240B29-F687-4F45-9708-019B960494DF}">
+                          <a14:hiddenLine xmlns:a14="http://schemas.microsoft.com/office/drawing/2010/main" w="9525">
+                            <a:solidFill>
+                              <a:schemeClr val="tx1"/>
+                            </a:solidFill>
+                            <a:miter lim="800000"/>
+                            <a:headEnd/>
+                            <a:tailEnd/>
+                          </a14:hiddenLine>
+                        </a:ext>
+                        <a:ext uri="{AF507438-7753-43E0-B8FC-AC1667EBCBE1}">
+                          <a14:hiddenEffects xmlns:a14="http://schemas.microsoft.com/office/drawing/2010/main">
+                            <a:effectLst>
+                              <a:outerShdw dist="35921" dir="2700000" algn="ctr" rotWithShape="0">
+                                <a:schemeClr val="bg2"/>
+                              </a:outerShdw>
+                            </a:effectLst>
+                          </a14:hiddenEffects>
+                        </a:ext>
+                      </a:extLst>
+                    </p:spPr>
+                  </p:pic>
+                </p:oleObj>
+              </mc:Fallback>
+            </mc:AlternateContent>
           </a:graphicData>
         </a:graphic>
       </p:graphicFrame>
@@ -9366,7 +10263,7 @@
     </p:spTree>
     <p:extLst>
       <p:ext uri="{BB962C8B-B14F-4D97-AF65-F5344CB8AC3E}">
-        <p14:creationId xmlns="" xmlns:p14="http://schemas.microsoft.com/office/powerpoint/2010/main" val="3040030372"/>
+        <p14:creationId xmlns:p14="http://schemas.microsoft.com/office/powerpoint/2010/main" val="3040030372"/>
       </p:ext>
     </p:extLst>
   </p:cSld>
@@ -9767,7 +10664,7 @@
           <a:blip r:embed="rId2">
             <a:extLst>
               <a:ext uri="{28A0092B-C50C-407E-A947-70E740481C1C}">
-                <a14:useLocalDpi xmlns="" xmlns:a14="http://schemas.microsoft.com/office/drawing/2010/main" val="0"/>
+                <a14:useLocalDpi xmlns:a14="http://schemas.microsoft.com/office/drawing/2010/main" val="0"/>
               </a:ext>
             </a:extLst>
           </a:blip>
@@ -9797,7 +10694,7 @@
           <a:blip r:embed="rId3">
             <a:extLst>
               <a:ext uri="{28A0092B-C50C-407E-A947-70E740481C1C}">
-                <a14:useLocalDpi xmlns="" xmlns:a14="http://schemas.microsoft.com/office/drawing/2010/main" val="0"/>
+                <a14:useLocalDpi xmlns:a14="http://schemas.microsoft.com/office/drawing/2010/main" val="0"/>
               </a:ext>
             </a:extLst>
           </a:blip>
@@ -9827,7 +10724,7 @@
           <a:blip r:embed="rId4">
             <a:extLst>
               <a:ext uri="{28A0092B-C50C-407E-A947-70E740481C1C}">
-                <a14:useLocalDpi xmlns="" xmlns:a14="http://schemas.microsoft.com/office/drawing/2010/main" val="0"/>
+                <a14:useLocalDpi xmlns:a14="http://schemas.microsoft.com/office/drawing/2010/main" val="0"/>
               </a:ext>
             </a:extLst>
           </a:blip>
@@ -9857,7 +10754,7 @@
           <a:blip r:embed="rId5">
             <a:extLst>
               <a:ext uri="{28A0092B-C50C-407E-A947-70E740481C1C}">
-                <a14:useLocalDpi xmlns="" xmlns:a14="http://schemas.microsoft.com/office/drawing/2010/main" val="0"/>
+                <a14:useLocalDpi xmlns:a14="http://schemas.microsoft.com/office/drawing/2010/main" val="0"/>
               </a:ext>
             </a:extLst>
           </a:blip>
@@ -9887,7 +10784,7 @@
           <a:blip r:embed="rId6">
             <a:extLst>
               <a:ext uri="{28A0092B-C50C-407E-A947-70E740481C1C}">
-                <a14:useLocalDpi xmlns="" xmlns:a14="http://schemas.microsoft.com/office/drawing/2010/main" val="0"/>
+                <a14:useLocalDpi xmlns:a14="http://schemas.microsoft.com/office/drawing/2010/main" val="0"/>
               </a:ext>
             </a:extLst>
           </a:blip>
@@ -10015,7 +10912,7 @@
     </p:spTree>
     <p:extLst>
       <p:ext uri="{BB962C8B-B14F-4D97-AF65-F5344CB8AC3E}">
-        <p14:creationId xmlns="" xmlns:p14="http://schemas.microsoft.com/office/powerpoint/2010/main" val="2631485282"/>
+        <p14:creationId xmlns:p14="http://schemas.microsoft.com/office/powerpoint/2010/main" val="2631485282"/>
       </p:ext>
     </p:extLst>
   </p:cSld>
@@ -10510,7 +11407,7 @@
     </p:spTree>
     <p:extLst>
       <p:ext uri="{BB962C8B-B14F-4D97-AF65-F5344CB8AC3E}">
-        <p14:creationId xmlns="" xmlns:p14="http://schemas.microsoft.com/office/powerpoint/2010/main" val="2631485282"/>
+        <p14:creationId xmlns:p14="http://schemas.microsoft.com/office/powerpoint/2010/main" val="2631485282"/>
       </p:ext>
     </p:extLst>
   </p:cSld>
@@ -10738,7 +11635,7 @@
         <p:spPr>
           <a:xfrm>
             <a:off x="228600" y="228600"/>
-            <a:ext cx="2870979" cy="492443"/>
+            <a:ext cx="5398914" cy="492443"/>
           </a:xfrm>
         </p:spPr>
         <p:txBody>
@@ -10753,7 +11650,16 @@
                 </a:solidFill>
                 <a:latin typeface="+mj-lt"/>
               </a:rPr>
-              <a:t>Binary classifier</a:t>
+              <a:t>Binary </a:t>
+            </a:r>
+            <a:r>
+              <a:rPr lang="en-US" altLang="zh-TW" sz="3200" dirty="0" smtClean="0">
+                <a:solidFill>
+                  <a:schemeClr val="tx1"/>
+                </a:solidFill>
+                <a:latin typeface="+mj-lt"/>
+              </a:rPr>
+              <a:t>classification problems</a:t>
             </a:r>
             <a:endParaRPr lang="en-US" altLang="zh-TW" sz="3200" dirty="0">
               <a:solidFill>
@@ -11078,7 +11984,7 @@
           <p:nvPr>
             <p:extLst>
               <p:ext uri="{D42A27DB-BD31-4B8C-83A1-F6EECF244321}">
-                <p14:modId xmlns="" xmlns:p14="http://schemas.microsoft.com/office/powerpoint/2010/main" val="1089295242"/>
+                <p14:modId xmlns:p14="http://schemas.microsoft.com/office/powerpoint/2010/main" val="1089295242"/>
               </p:ext>
             </p:extLst>
           </p:nvPr>
@@ -11089,9 +11995,59 @@
         </p:xfrm>
         <a:graphic>
           <a:graphicData uri="http://schemas.openxmlformats.org/presentationml/2006/ole">
-            <p:oleObj spid="_x0000_s48130" name="方程式" r:id="rId4" imgW="1256755" imgH="203112" progId="Equation.3">
-              <p:embed/>
-            </p:oleObj>
+            <mc:AlternateContent xmlns:mc="http://schemas.openxmlformats.org/markup-compatibility/2006">
+              <mc:Choice xmlns:v="urn:schemas-microsoft-com:vml" Requires="v">
+                <p:oleObj spid="_x0000_s48132" name="方程式" r:id="rId4" imgW="1256755" imgH="203112" progId="Equation.3">
+                  <p:embed/>
+                </p:oleObj>
+              </mc:Choice>
+              <mc:Fallback>
+                <p:oleObj name="方程式" r:id="rId4" imgW="1256755" imgH="203112" progId="Equation.3">
+                  <p:embed/>
+                  <p:pic>
+                    <p:nvPicPr>
+                      <p:cNvPr id="0" name="Picture 2"/>
+                      <p:cNvPicPr>
+                        <a:picLocks noChangeAspect="1" noChangeArrowheads="1"/>
+                      </p:cNvPicPr>
+                      <p:nvPr/>
+                    </p:nvPicPr>
+                    <p:blipFill>
+                      <a:blip r:embed="rId5">
+                        <a:extLst>
+                          <a:ext uri="{28A0092B-C50C-407E-A947-70E740481C1C}">
+                            <a14:useLocalDpi xmlns:a14="http://schemas.microsoft.com/office/drawing/2010/main" val="0"/>
+                          </a:ext>
+                        </a:extLst>
+                      </a:blip>
+                      <a:srcRect/>
+                      <a:stretch>
+                        <a:fillRect/>
+                      </a:stretch>
+                    </p:blipFill>
+                    <p:spPr bwMode="auto">
+                      <a:xfrm>
+                        <a:off x="2934387" y="2969186"/>
+                        <a:ext cx="3379787" cy="568325"/>
+                      </a:xfrm>
+                      <a:prstGeom prst="rect">
+                        <a:avLst/>
+                      </a:prstGeom>
+                      <a:noFill/>
+                      <a:extLst>
+                        <a:ext uri="{909E8E84-426E-40DD-AFC4-6F175D3DCCD1}">
+                          <a14:hiddenFill xmlns:a14="http://schemas.microsoft.com/office/drawing/2010/main">
+                            <a:solidFill>
+                              <a:srgbClr val="FFFFFF"/>
+                            </a:solidFill>
+                          </a14:hiddenFill>
+                        </a:ext>
+                      </a:extLst>
+                    </p:spPr>
+                  </p:pic>
+                </p:oleObj>
+              </mc:Fallback>
+            </mc:AlternateContent>
           </a:graphicData>
         </a:graphic>
       </p:graphicFrame>
@@ -11102,7 +12058,7 @@
           <p:nvPr>
             <p:extLst>
               <p:ext uri="{D42A27DB-BD31-4B8C-83A1-F6EECF244321}">
-                <p14:modId xmlns="" xmlns:p14="http://schemas.microsoft.com/office/powerpoint/2010/main" val="699112820"/>
+                <p14:modId xmlns:p14="http://schemas.microsoft.com/office/powerpoint/2010/main" val="699112820"/>
               </p:ext>
             </p:extLst>
           </p:nvPr>
@@ -11121,14 +12077,14 @@
                 <a:gridCol w="2188155">
                   <a:extLst>
                     <a:ext uri="{9D8B030D-6E8A-4147-A177-3AD203B41FA5}">
-                      <a16:colId xmlns="" xmlns:a16="http://schemas.microsoft.com/office/drawing/2014/main" val="3452721396"/>
+                      <a16:colId xmlns:a16="http://schemas.microsoft.com/office/drawing/2014/main" xmlns="" val="3452721396"/>
                     </a:ext>
                   </a:extLst>
                 </a:gridCol>
                 <a:gridCol w="1783181">
                   <a:extLst>
                     <a:ext uri="{9D8B030D-6E8A-4147-A177-3AD203B41FA5}">
-                      <a16:colId xmlns="" xmlns:a16="http://schemas.microsoft.com/office/drawing/2014/main" val="3776235587"/>
+                      <a16:colId xmlns:a16="http://schemas.microsoft.com/office/drawing/2014/main" xmlns="" val="3776235587"/>
                     </a:ext>
                   </a:extLst>
                 </a:gridCol>
@@ -11238,7 +12194,7 @@
                 </a:tc>
                 <a:extLst>
                   <a:ext uri="{0D108BD9-81ED-4DB2-BD59-A6C34878D82A}">
-                    <a16:rowId xmlns="" xmlns:a16="http://schemas.microsoft.com/office/drawing/2014/main" val="1687642106"/>
+                    <a16:rowId xmlns:a16="http://schemas.microsoft.com/office/drawing/2014/main" xmlns="" val="1687642106"/>
                   </a:ext>
                 </a:extLst>
               </a:tr>
@@ -11347,7 +12303,7 @@
                 </a:tc>
                 <a:extLst>
                   <a:ext uri="{0D108BD9-81ED-4DB2-BD59-A6C34878D82A}">
-                    <a16:rowId xmlns="" xmlns:a16="http://schemas.microsoft.com/office/drawing/2014/main" val="1167798081"/>
+                    <a16:rowId xmlns:a16="http://schemas.microsoft.com/office/drawing/2014/main" xmlns="" val="1167798081"/>
                   </a:ext>
                 </a:extLst>
               </a:tr>
@@ -11466,7 +12422,7 @@
                 </a:tc>
                 <a:extLst>
                   <a:ext uri="{0D108BD9-81ED-4DB2-BD59-A6C34878D82A}">
-                    <a16:rowId xmlns="" xmlns:a16="http://schemas.microsoft.com/office/drawing/2014/main" val="3666776475"/>
+                    <a16:rowId xmlns:a16="http://schemas.microsoft.com/office/drawing/2014/main" xmlns="" val="3666776475"/>
                   </a:ext>
                 </a:extLst>
               </a:tr>
@@ -11594,7 +12550,7 @@
                 </a:tc>
                 <a:extLst>
                   <a:ext uri="{0D108BD9-81ED-4DB2-BD59-A6C34878D82A}">
-                    <a16:rowId xmlns="" xmlns:a16="http://schemas.microsoft.com/office/drawing/2014/main" val="2399558479"/>
+                    <a16:rowId xmlns:a16="http://schemas.microsoft.com/office/drawing/2014/main" xmlns="" val="2399558479"/>
                   </a:ext>
                 </a:extLst>
               </a:tr>
@@ -11712,7 +12668,7 @@
                 </a:tc>
                 <a:extLst>
                   <a:ext uri="{0D108BD9-81ED-4DB2-BD59-A6C34878D82A}">
-                    <a16:rowId xmlns="" xmlns:a16="http://schemas.microsoft.com/office/drawing/2014/main" val="592403228"/>
+                    <a16:rowId xmlns:a16="http://schemas.microsoft.com/office/drawing/2014/main" xmlns="" val="592403228"/>
                   </a:ext>
                 </a:extLst>
               </a:tr>
@@ -11757,7 +12713,7 @@
           <p:nvPr>
             <p:extLst>
               <p:ext uri="{D42A27DB-BD31-4B8C-83A1-F6EECF244321}">
-                <p14:modId xmlns="" xmlns:p14="http://schemas.microsoft.com/office/powerpoint/2010/main" val="699112820"/>
+                <p14:modId xmlns:p14="http://schemas.microsoft.com/office/powerpoint/2010/main" val="699112820"/>
               </p:ext>
             </p:extLst>
           </p:nvPr>
@@ -11776,7 +12732,7 @@
                 <a:gridCol w="2188155">
                   <a:extLst>
                     <a:ext uri="{9D8B030D-6E8A-4147-A177-3AD203B41FA5}">
-                      <a16:colId xmlns="" xmlns:a16="http://schemas.microsoft.com/office/drawing/2014/main" val="3452721396"/>
+                      <a16:colId xmlns:a16="http://schemas.microsoft.com/office/drawing/2014/main" xmlns="" val="3452721396"/>
                     </a:ext>
                   </a:extLst>
                 </a:gridCol>
@@ -11836,7 +12792,7 @@
                 </a:tc>
                 <a:extLst>
                   <a:ext uri="{0D108BD9-81ED-4DB2-BD59-A6C34878D82A}">
-                    <a16:rowId xmlns="" xmlns:a16="http://schemas.microsoft.com/office/drawing/2014/main" val="1687642106"/>
+                    <a16:rowId xmlns:a16="http://schemas.microsoft.com/office/drawing/2014/main" xmlns="" val="1687642106"/>
                   </a:ext>
                 </a:extLst>
               </a:tr>
@@ -11874,10 +12830,49 @@
           </a:p>
         </p:txBody>
       </p:sp>
+      <p:sp>
+        <p:nvSpPr>
+          <p:cNvPr id="14" name="向右箭號 13"/>
+          <p:cNvSpPr/>
+          <p:nvPr/>
+        </p:nvSpPr>
+        <p:spPr>
+          <a:xfrm>
+            <a:off x="5067656" y="5073701"/>
+            <a:ext cx="675118" cy="280674"/>
+          </a:xfrm>
+          <a:prstGeom prst="rightArrow">
+            <a:avLst/>
+          </a:prstGeom>
+          <a:noFill/>
+        </p:spPr>
+        <p:style>
+          <a:lnRef idx="1">
+            <a:schemeClr val="dk1"/>
+          </a:lnRef>
+          <a:fillRef idx="3">
+            <a:schemeClr val="dk1"/>
+          </a:fillRef>
+          <a:effectRef idx="2">
+            <a:schemeClr val="dk1"/>
+          </a:effectRef>
+          <a:fontRef idx="minor">
+            <a:schemeClr val="lt1"/>
+          </a:fontRef>
+        </p:style>
+        <p:txBody>
+          <a:bodyPr rtlCol="0" anchor="ctr"/>
+          <a:lstStyle/>
+          <a:p>
+            <a:pPr algn="ctr"/>
+            <a:endParaRPr lang="zh-TW" altLang="en-US"/>
+          </a:p>
+        </p:txBody>
+      </p:sp>
     </p:spTree>
     <p:extLst>
       <p:ext uri="{BB962C8B-B14F-4D97-AF65-F5344CB8AC3E}">
-        <p14:creationId xmlns="" xmlns:p14="http://schemas.microsoft.com/office/powerpoint/2010/main" val="3040030372"/>
+        <p14:creationId xmlns:p14="http://schemas.microsoft.com/office/powerpoint/2010/main" val="3040030372"/>
       </p:ext>
     </p:extLst>
   </p:cSld>
@@ -12279,7 +13274,7 @@
     </p:spTree>
     <p:extLst>
       <p:ext uri="{BB962C8B-B14F-4D97-AF65-F5344CB8AC3E}">
-        <p14:creationId xmlns="" xmlns:p14="http://schemas.microsoft.com/office/powerpoint/2010/main" val="2631485282"/>
+        <p14:creationId xmlns:p14="http://schemas.microsoft.com/office/powerpoint/2010/main" val="2631485282"/>
       </p:ext>
     </p:extLst>
   </p:cSld>
@@ -13800,7 +14795,7 @@
     </p:spTree>
     <p:extLst>
       <p:ext uri="{BB962C8B-B14F-4D97-AF65-F5344CB8AC3E}">
-        <p14:creationId xmlns="" xmlns:p14="http://schemas.microsoft.com/office/powerpoint/2010/main" val="2631485282"/>
+        <p14:creationId xmlns:p14="http://schemas.microsoft.com/office/powerpoint/2010/main" val="2631485282"/>
       </p:ext>
     </p:extLst>
   </p:cSld>
@@ -15703,7 +16698,7 @@
     </p:spTree>
     <p:extLst>
       <p:ext uri="{BB962C8B-B14F-4D97-AF65-F5344CB8AC3E}">
-        <p14:creationId xmlns="" xmlns:p14="http://schemas.microsoft.com/office/powerpoint/2010/main" val="2631485282"/>
+        <p14:creationId xmlns:p14="http://schemas.microsoft.com/office/powerpoint/2010/main" val="2631485282"/>
       </p:ext>
     </p:extLst>
   </p:cSld>
@@ -16079,7 +17074,7 @@
     </p:spTree>
     <p:extLst>
       <p:ext uri="{BB962C8B-B14F-4D97-AF65-F5344CB8AC3E}">
-        <p14:creationId xmlns="" xmlns:p14="http://schemas.microsoft.com/office/powerpoint/2010/main" val="2631485282"/>
+        <p14:creationId xmlns:p14="http://schemas.microsoft.com/office/powerpoint/2010/main" val="2631485282"/>
       </p:ext>
     </p:extLst>
   </p:cSld>
@@ -16198,7 +17193,7 @@
     </p:spTree>
     <p:extLst>
       <p:ext uri="{BB962C8B-B14F-4D97-AF65-F5344CB8AC3E}">
-        <p14:creationId xmlns="" xmlns:p14="http://schemas.microsoft.com/office/powerpoint/2010/main" val="3598067464"/>
+        <p14:creationId xmlns:p14="http://schemas.microsoft.com/office/powerpoint/2010/main" val="3598067464"/>
       </p:ext>
     </p:extLst>
   </p:cSld>
@@ -16535,7 +17530,7 @@
     </p:spTree>
     <p:extLst>
       <p:ext uri="{BB962C8B-B14F-4D97-AF65-F5344CB8AC3E}">
-        <p14:creationId xmlns="" xmlns:p14="http://schemas.microsoft.com/office/powerpoint/2010/main" val="636739009"/>
+        <p14:creationId xmlns:p14="http://schemas.microsoft.com/office/powerpoint/2010/main" val="636739009"/>
       </p:ext>
     </p:extLst>
   </p:cSld>
@@ -16943,7 +17938,7 @@
     </p:spTree>
     <p:extLst>
       <p:ext uri="{BB962C8B-B14F-4D97-AF65-F5344CB8AC3E}">
-        <p14:creationId xmlns="" xmlns:p14="http://schemas.microsoft.com/office/powerpoint/2010/main" val="3040030372"/>
+        <p14:creationId xmlns:p14="http://schemas.microsoft.com/office/powerpoint/2010/main" val="3040030372"/>
       </p:ext>
     </p:extLst>
   </p:cSld>
@@ -17094,16 +18089,7 @@
                 </a:solidFill>
                 <a:latin typeface="+mj-lt"/>
               </a:rPr>
-              <a:t>How </a:t>
-            </a:r>
-            <a:r>
-              <a:rPr lang="en-US" altLang="zh-TW" sz="3200" dirty="0" smtClean="0">
-                <a:solidFill>
-                  <a:schemeClr val="tx1"/>
-                </a:solidFill>
-                <a:latin typeface="+mj-lt"/>
-              </a:rPr>
-              <a:t>does an object look like to computers?</a:t>
+              <a:t>How does an object look like to computers?</a:t>
             </a:r>
             <a:endParaRPr lang="en-US" sz="3200" b="0" dirty="0">
               <a:solidFill>
@@ -17571,11 +18557,7 @@
           <a:p>
             <a:r>
               <a:rPr lang="en-US" altLang="zh-TW" dirty="0" smtClean="0"/>
-              <a:t>Computer </a:t>
-            </a:r>
-            <a:r>
-              <a:rPr lang="en-US" altLang="zh-TW" dirty="0" smtClean="0"/>
-              <a:t>sees…</a:t>
+              <a:t>Computer sees…</a:t>
             </a:r>
             <a:endParaRPr lang="zh-TW" altLang="en-US" dirty="0"/>
           </a:p>
@@ -17584,7 +18566,7 @@
     </p:spTree>
     <p:extLst>
       <p:ext uri="{BB962C8B-B14F-4D97-AF65-F5344CB8AC3E}">
-        <p14:creationId xmlns="" xmlns:p14="http://schemas.microsoft.com/office/powerpoint/2010/main" val="1692470345"/>
+        <p14:creationId xmlns:p14="http://schemas.microsoft.com/office/powerpoint/2010/main" val="1692470345"/>
       </p:ext>
     </p:extLst>
   </p:cSld>
@@ -19045,7 +20027,7 @@
     </p:spTree>
     <p:extLst>
       <p:ext uri="{BB962C8B-B14F-4D97-AF65-F5344CB8AC3E}">
-        <p14:creationId xmlns="" xmlns:p14="http://schemas.microsoft.com/office/powerpoint/2010/main" val="1692470345"/>
+        <p14:creationId xmlns:p14="http://schemas.microsoft.com/office/powerpoint/2010/main" val="1692470345"/>
       </p:ext>
     </p:extLst>
   </p:cSld>
@@ -19140,16 +20122,7 @@
                 </a:solidFill>
                 <a:latin typeface="+mj-lt"/>
               </a:rPr>
-              <a:t>C</a:t>
-            </a:r>
-            <a:r>
-              <a:rPr lang="en-US" altLang="zh-TW" sz="3200" dirty="0" smtClean="0">
-                <a:solidFill>
-                  <a:schemeClr val="tx1"/>
-                </a:solidFill>
-                <a:latin typeface="+mj-lt"/>
-              </a:rPr>
-              <a:t>lassifier Accuracy</a:t>
+              <a:t>Classifier Accuracy</a:t>
             </a:r>
             <a:endParaRPr lang="en-US" altLang="zh-TW" sz="3200" dirty="0">
               <a:solidFill>
@@ -19715,7 +20688,7 @@
     </p:spTree>
     <p:extLst>
       <p:ext uri="{BB962C8B-B14F-4D97-AF65-F5344CB8AC3E}">
-        <p14:creationId xmlns="" xmlns:p14="http://schemas.microsoft.com/office/powerpoint/2010/main" val="3040030372"/>
+        <p14:creationId xmlns:p14="http://schemas.microsoft.com/office/powerpoint/2010/main" val="3040030372"/>
       </p:ext>
     </p:extLst>
   </p:cSld>
@@ -20564,7 +21537,7 @@
           <p:nvPr>
             <p:extLst>
               <p:ext uri="{D42A27DB-BD31-4B8C-83A1-F6EECF244321}">
-                <p14:modId xmlns="" xmlns:p14="http://schemas.microsoft.com/office/powerpoint/2010/main" val="699112820"/>
+                <p14:modId xmlns:p14="http://schemas.microsoft.com/office/powerpoint/2010/main" val="699112820"/>
               </p:ext>
             </p:extLst>
           </p:nvPr>
@@ -20583,14 +21556,14 @@
                 <a:gridCol w="2188155">
                   <a:extLst>
                     <a:ext uri="{9D8B030D-6E8A-4147-A177-3AD203B41FA5}">
-                      <a16:colId xmlns="" xmlns:a16="http://schemas.microsoft.com/office/drawing/2014/main" val="3452721396"/>
+                      <a16:colId xmlns:a16="http://schemas.microsoft.com/office/drawing/2014/main" xmlns="" val="3452721396"/>
                     </a:ext>
                   </a:extLst>
                 </a:gridCol>
                 <a:gridCol w="1783181">
                   <a:extLst>
                     <a:ext uri="{9D8B030D-6E8A-4147-A177-3AD203B41FA5}">
-                      <a16:colId xmlns="" xmlns:a16="http://schemas.microsoft.com/office/drawing/2014/main" val="3776235587"/>
+                      <a16:colId xmlns:a16="http://schemas.microsoft.com/office/drawing/2014/main" xmlns="" val="3776235587"/>
                     </a:ext>
                   </a:extLst>
                 </a:gridCol>
@@ -20710,7 +21683,7 @@
                 </a:tc>
                 <a:extLst>
                   <a:ext uri="{0D108BD9-81ED-4DB2-BD59-A6C34878D82A}">
-                    <a16:rowId xmlns="" xmlns:a16="http://schemas.microsoft.com/office/drawing/2014/main" val="2399558479"/>
+                    <a16:rowId xmlns:a16="http://schemas.microsoft.com/office/drawing/2014/main" xmlns="" val="2399558479"/>
                   </a:ext>
                 </a:extLst>
               </a:tr>
@@ -20826,7 +21799,7 @@
                 </a:tc>
                 <a:extLst>
                   <a:ext uri="{0D108BD9-81ED-4DB2-BD59-A6C34878D82A}">
-                    <a16:rowId xmlns="" xmlns:a16="http://schemas.microsoft.com/office/drawing/2014/main" val="592403228"/>
+                    <a16:rowId xmlns:a16="http://schemas.microsoft.com/office/drawing/2014/main" xmlns="" val="592403228"/>
                   </a:ext>
                 </a:extLst>
               </a:tr>
@@ -20837,7 +21810,7 @@
     </p:spTree>
     <p:extLst>
       <p:ext uri="{BB962C8B-B14F-4D97-AF65-F5344CB8AC3E}">
-        <p14:creationId xmlns="" xmlns:p14="http://schemas.microsoft.com/office/powerpoint/2010/main" val="3040030372"/>
+        <p14:creationId xmlns:p14="http://schemas.microsoft.com/office/powerpoint/2010/main" val="3040030372"/>
       </p:ext>
     </p:extLst>
   </p:cSld>
@@ -20922,7 +21895,7 @@
           <a:blip r:embed="rId3">
             <a:extLst>
               <a:ext uri="{28A0092B-C50C-407E-A947-70E740481C1C}">
-                <a14:useLocalDpi xmlns="" xmlns:a14="http://schemas.microsoft.com/office/drawing/2010/main" val="0"/>
+                <a14:useLocalDpi xmlns:a14="http://schemas.microsoft.com/office/drawing/2010/main" val="0"/>
               </a:ext>
             </a:extLst>
           </a:blip>
@@ -21157,7 +22130,7 @@
     </p:spTree>
     <p:extLst>
       <p:ext uri="{BB962C8B-B14F-4D97-AF65-F5344CB8AC3E}">
-        <p14:creationId xmlns="" xmlns:p14="http://schemas.microsoft.com/office/powerpoint/2010/main" val="3040030372"/>
+        <p14:creationId xmlns:p14="http://schemas.microsoft.com/office/powerpoint/2010/main" val="3040030372"/>
       </p:ext>
     </p:extLst>
   </p:cSld>
@@ -22487,6 +23460,14 @@
 </file>
 
 <file path=customXml/item1.xml><?xml version="1.0" encoding="utf-8"?>
+<p:properties xmlns:p="http://schemas.microsoft.com/office/2006/metadata/properties" xmlns:xsi="http://www.w3.org/2001/XMLSchema-instance" xmlns:pc="http://schemas.microsoft.com/office/infopath/2007/PartnerControls">
+  <documentManagement>
+    <Year xmlns="24ac9ee2-1f69-49ec-81c1-d01c86227436">2015</Year>
+  </documentManagement>
+</p:properties>
+</file>
+
+<file path=customXml/item2.xml><?xml version="1.0" encoding="utf-8"?>
 <ct:contentTypeSchema xmlns:ct="http://schemas.microsoft.com/office/2006/metadata/contentType" xmlns:ma="http://schemas.microsoft.com/office/2006/metadata/properties/metaAttributes" ct:_="" ma:_="" ma:contentTypeName="文件" ma:contentTypeID="0x0101000CB458D5399432479E0BB962A3AC807C" ma:contentTypeVersion="1" ma:contentTypeDescription="建立新的文件。" ma:contentTypeScope="" ma:versionID="2090fcdc2e9aae8469eabc8d31b189fb">
   <xsd:schema xmlns:xsd="http://www.w3.org/2001/XMLSchema" xmlns:xs="http://www.w3.org/2001/XMLSchema" xmlns:p="http://schemas.microsoft.com/office/2006/metadata/properties" xmlns:ns2="24ac9ee2-1f69-49ec-81c1-d01c86227436" targetNamespace="http://schemas.microsoft.com/office/2006/metadata/properties" ma:root="true" ma:fieldsID="3ada4ee18b918396c161ab8726fa03da" ns2:_="">
     <xsd:import namespace="24ac9ee2-1f69-49ec-81c1-d01c86227436"/>
@@ -22617,14 +23598,6 @@
 </ct:contentTypeSchema>
 </file>
 
-<file path=customXml/item2.xml><?xml version="1.0" encoding="utf-8"?>
-<p:properties xmlns:p="http://schemas.microsoft.com/office/2006/metadata/properties" xmlns:xsi="http://www.w3.org/2001/XMLSchema-instance" xmlns:pc="http://schemas.microsoft.com/office/infopath/2007/PartnerControls">
-  <documentManagement>
-    <Year xmlns="24ac9ee2-1f69-49ec-81c1-d01c86227436">2015</Year>
-  </documentManagement>
-</p:properties>
-</file>
-
 <file path=customXml/item3.xml><?xml version="1.0" encoding="utf-8"?>
 <?mso-contentType ?>
 <FormTemplates xmlns="http://schemas.microsoft.com/sharepoint/v3/contenttype/forms">
@@ -22635,6 +23608,22 @@
 </file>
 
 <file path=customXml/itemProps1.xml><?xml version="1.0" encoding="utf-8"?>
+<ds:datastoreItem xmlns:ds="http://schemas.openxmlformats.org/officeDocument/2006/customXml" ds:itemID="{327D2673-F33E-4BA5-8F43-8D9B5FEBC44E}">
+  <ds:schemaRefs>
+    <ds:schemaRef ds:uri="http://schemas.microsoft.com/office/2006/documentManagement/types"/>
+    <ds:schemaRef ds:uri="http://schemas.microsoft.com/office/2006/metadata/properties"/>
+    <ds:schemaRef ds:uri="http://purl.org/dc/dcmitype/"/>
+    <ds:schemaRef ds:uri="http://purl.org/dc/terms/"/>
+    <ds:schemaRef ds:uri="http://schemas.microsoft.com/office/infopath/2007/PartnerControls"/>
+    <ds:schemaRef ds:uri="http://purl.org/dc/elements/1.1/"/>
+    <ds:schemaRef ds:uri="http://www.w3.org/XML/1998/namespace"/>
+    <ds:schemaRef ds:uri="http://schemas.openxmlformats.org/package/2006/metadata/core-properties"/>
+    <ds:schemaRef ds:uri="24ac9ee2-1f69-49ec-81c1-d01c86227436"/>
+  </ds:schemaRefs>
+</ds:datastoreItem>
+</file>
+
+<file path=customXml/itemProps2.xml><?xml version="1.0" encoding="utf-8"?>
 <ds:datastoreItem xmlns:ds="http://schemas.openxmlformats.org/officeDocument/2006/customXml" ds:itemID="{4C9F39EC-CE5D-4921-B7BB-5650597DBD03}">
   <ds:schemaRefs>
     <ds:schemaRef ds:uri="http://schemas.microsoft.com/office/2006/metadata/contentType"/>
@@ -22652,22 +23641,6 @@
 </ds:datastoreItem>
 </file>
 
-<file path=customXml/itemProps2.xml><?xml version="1.0" encoding="utf-8"?>
-<ds:datastoreItem xmlns:ds="http://schemas.openxmlformats.org/officeDocument/2006/customXml" ds:itemID="{327D2673-F33E-4BA5-8F43-8D9B5FEBC44E}">
-  <ds:schemaRefs>
-    <ds:schemaRef ds:uri="http://schemas.microsoft.com/office/2006/documentManagement/types"/>
-    <ds:schemaRef ds:uri="http://schemas.microsoft.com/office/2006/metadata/properties"/>
-    <ds:schemaRef ds:uri="http://purl.org/dc/dcmitype/"/>
-    <ds:schemaRef ds:uri="http://purl.org/dc/terms/"/>
-    <ds:schemaRef ds:uri="http://schemas.microsoft.com/office/infopath/2007/PartnerControls"/>
-    <ds:schemaRef ds:uri="http://purl.org/dc/elements/1.1/"/>
-    <ds:schemaRef ds:uri="http://www.w3.org/XML/1998/namespace"/>
-    <ds:schemaRef ds:uri="http://schemas.openxmlformats.org/package/2006/metadata/core-properties"/>
-    <ds:schemaRef ds:uri="24ac9ee2-1f69-49ec-81c1-d01c86227436"/>
-  </ds:schemaRefs>
-</ds:datastoreItem>
-</file>
-
 <file path=customXml/itemProps3.xml><?xml version="1.0" encoding="utf-8"?>
 <ds:datastoreItem xmlns:ds="http://schemas.openxmlformats.org/officeDocument/2006/customXml" ds:itemID="{75703042-9C6F-440D-9A8D-0836740E8EC4}">
   <ds:schemaRefs>
